--- a/Henry/Ford Order System Preasentation .pptx
+++ b/Henry/Ford Order System Preasentation .pptx
@@ -17,6 +17,16 @@
     <p:sldId id="262" r:id="rId14"/>
     <p:sldId id="263" r:id="rId15"/>
     <p:sldId id="264" r:id="rId16"/>
+    <p:sldId id="265" r:id="rId17"/>
+    <p:sldId id="266" r:id="rId18"/>
+    <p:sldId id="267" r:id="rId19"/>
+    <p:sldId id="268" r:id="rId20"/>
+    <p:sldId id="269" r:id="rId21"/>
+    <p:sldId id="270" r:id="rId22"/>
+    <p:sldId id="271" r:id="rId23"/>
+    <p:sldId id="272" r:id="rId24"/>
+    <p:sldId id="273" r:id="rId25"/>
+    <p:sldId id="274" r:id="rId26"/>
   </p:sldIdLst>
   <p:sldSz cx="24384000" cy="13716000"/>
   <p:notesSz cx="6858000" cy="9144000"/>
@@ -71,13 +81,13 @@
         </a:solidFill>
         <a:effectLst/>
         <a:uFillTx/>
-        <a:latin typeface="Canela Text Regular"/>
-        <a:ea typeface="Canela Text Regular"/>
-        <a:cs typeface="Canela Text Regular"/>
-        <a:sym typeface="Canela Text Regular"/>
+        <a:latin typeface="Canela Bold"/>
+        <a:ea typeface="Canela Bold"/>
+        <a:cs typeface="Canela Bold"/>
+        <a:sym typeface="Canela Bold"/>
       </a:defRPr>
     </a:lvl1pPr>
-    <a:lvl2pPr marL="0" marR="0" indent="457200" algn="ctr" defTabSz="2438400" rtl="0" fontAlgn="auto" latinLnBrk="0" hangingPunct="0">
+    <a:lvl2pPr marL="0" marR="0" indent="0" algn="ctr" defTabSz="2438400" rtl="0" fontAlgn="auto" latinLnBrk="0" hangingPunct="0">
       <a:lnSpc>
         <a:spcPct val="90000"/>
       </a:lnSpc>
@@ -101,13 +111,13 @@
         </a:solidFill>
         <a:effectLst/>
         <a:uFillTx/>
-        <a:latin typeface="Canela Text Regular"/>
-        <a:ea typeface="Canela Text Regular"/>
-        <a:cs typeface="Canela Text Regular"/>
-        <a:sym typeface="Canela Text Regular"/>
+        <a:latin typeface="Canela Bold"/>
+        <a:ea typeface="Canela Bold"/>
+        <a:cs typeface="Canela Bold"/>
+        <a:sym typeface="Canela Bold"/>
       </a:defRPr>
     </a:lvl2pPr>
-    <a:lvl3pPr marL="0" marR="0" indent="914400" algn="ctr" defTabSz="2438400" rtl="0" fontAlgn="auto" latinLnBrk="0" hangingPunct="0">
+    <a:lvl3pPr marL="0" marR="0" indent="0" algn="ctr" defTabSz="2438400" rtl="0" fontAlgn="auto" latinLnBrk="0" hangingPunct="0">
       <a:lnSpc>
         <a:spcPct val="90000"/>
       </a:lnSpc>
@@ -131,13 +141,13 @@
         </a:solidFill>
         <a:effectLst/>
         <a:uFillTx/>
-        <a:latin typeface="Canela Text Regular"/>
-        <a:ea typeface="Canela Text Regular"/>
-        <a:cs typeface="Canela Text Regular"/>
-        <a:sym typeface="Canela Text Regular"/>
+        <a:latin typeface="Canela Bold"/>
+        <a:ea typeface="Canela Bold"/>
+        <a:cs typeface="Canela Bold"/>
+        <a:sym typeface="Canela Bold"/>
       </a:defRPr>
     </a:lvl3pPr>
-    <a:lvl4pPr marL="0" marR="0" indent="1371600" algn="ctr" defTabSz="2438400" rtl="0" fontAlgn="auto" latinLnBrk="0" hangingPunct="0">
+    <a:lvl4pPr marL="0" marR="0" indent="0" algn="ctr" defTabSz="2438400" rtl="0" fontAlgn="auto" latinLnBrk="0" hangingPunct="0">
       <a:lnSpc>
         <a:spcPct val="90000"/>
       </a:lnSpc>
@@ -161,13 +171,13 @@
         </a:solidFill>
         <a:effectLst/>
         <a:uFillTx/>
-        <a:latin typeface="Canela Text Regular"/>
-        <a:ea typeface="Canela Text Regular"/>
-        <a:cs typeface="Canela Text Regular"/>
-        <a:sym typeface="Canela Text Regular"/>
+        <a:latin typeface="Canela Bold"/>
+        <a:ea typeface="Canela Bold"/>
+        <a:cs typeface="Canela Bold"/>
+        <a:sym typeface="Canela Bold"/>
       </a:defRPr>
     </a:lvl4pPr>
-    <a:lvl5pPr marL="0" marR="0" indent="1828800" algn="ctr" defTabSz="2438400" rtl="0" fontAlgn="auto" latinLnBrk="0" hangingPunct="0">
+    <a:lvl5pPr marL="0" marR="0" indent="0" algn="ctr" defTabSz="2438400" rtl="0" fontAlgn="auto" latinLnBrk="0" hangingPunct="0">
       <a:lnSpc>
         <a:spcPct val="90000"/>
       </a:lnSpc>
@@ -191,13 +201,13 @@
         </a:solidFill>
         <a:effectLst/>
         <a:uFillTx/>
-        <a:latin typeface="Canela Text Regular"/>
-        <a:ea typeface="Canela Text Regular"/>
-        <a:cs typeface="Canela Text Regular"/>
-        <a:sym typeface="Canela Text Regular"/>
+        <a:latin typeface="Canela Bold"/>
+        <a:ea typeface="Canela Bold"/>
+        <a:cs typeface="Canela Bold"/>
+        <a:sym typeface="Canela Bold"/>
       </a:defRPr>
     </a:lvl5pPr>
-    <a:lvl6pPr marL="0" marR="0" indent="2286000" algn="ctr" defTabSz="2438400" rtl="0" fontAlgn="auto" latinLnBrk="0" hangingPunct="0">
+    <a:lvl6pPr marL="0" marR="0" indent="0" algn="ctr" defTabSz="2438400" rtl="0" fontAlgn="auto" latinLnBrk="0" hangingPunct="0">
       <a:lnSpc>
         <a:spcPct val="90000"/>
       </a:lnSpc>
@@ -221,13 +231,13 @@
         </a:solidFill>
         <a:effectLst/>
         <a:uFillTx/>
-        <a:latin typeface="Canela Text Regular"/>
-        <a:ea typeface="Canela Text Regular"/>
-        <a:cs typeface="Canela Text Regular"/>
-        <a:sym typeface="Canela Text Regular"/>
+        <a:latin typeface="Canela Bold"/>
+        <a:ea typeface="Canela Bold"/>
+        <a:cs typeface="Canela Bold"/>
+        <a:sym typeface="Canela Bold"/>
       </a:defRPr>
     </a:lvl6pPr>
-    <a:lvl7pPr marL="0" marR="0" indent="2743200" algn="ctr" defTabSz="2438400" rtl="0" fontAlgn="auto" latinLnBrk="0" hangingPunct="0">
+    <a:lvl7pPr marL="0" marR="0" indent="0" algn="ctr" defTabSz="2438400" rtl="0" fontAlgn="auto" latinLnBrk="0" hangingPunct="0">
       <a:lnSpc>
         <a:spcPct val="90000"/>
       </a:lnSpc>
@@ -251,13 +261,13 @@
         </a:solidFill>
         <a:effectLst/>
         <a:uFillTx/>
-        <a:latin typeface="Canela Text Regular"/>
-        <a:ea typeface="Canela Text Regular"/>
-        <a:cs typeface="Canela Text Regular"/>
-        <a:sym typeface="Canela Text Regular"/>
+        <a:latin typeface="Canela Bold"/>
+        <a:ea typeface="Canela Bold"/>
+        <a:cs typeface="Canela Bold"/>
+        <a:sym typeface="Canela Bold"/>
       </a:defRPr>
     </a:lvl7pPr>
-    <a:lvl8pPr marL="0" marR="0" indent="3200400" algn="ctr" defTabSz="2438400" rtl="0" fontAlgn="auto" latinLnBrk="0" hangingPunct="0">
+    <a:lvl8pPr marL="0" marR="0" indent="0" algn="ctr" defTabSz="2438400" rtl="0" fontAlgn="auto" latinLnBrk="0" hangingPunct="0">
       <a:lnSpc>
         <a:spcPct val="90000"/>
       </a:lnSpc>
@@ -281,13 +291,13 @@
         </a:solidFill>
         <a:effectLst/>
         <a:uFillTx/>
-        <a:latin typeface="Canela Text Regular"/>
-        <a:ea typeface="Canela Text Regular"/>
-        <a:cs typeface="Canela Text Regular"/>
-        <a:sym typeface="Canela Text Regular"/>
+        <a:latin typeface="Canela Bold"/>
+        <a:ea typeface="Canela Bold"/>
+        <a:cs typeface="Canela Bold"/>
+        <a:sym typeface="Canela Bold"/>
       </a:defRPr>
     </a:lvl8pPr>
-    <a:lvl9pPr marL="0" marR="0" indent="3657600" algn="ctr" defTabSz="2438400" rtl="0" fontAlgn="auto" latinLnBrk="0" hangingPunct="0">
+    <a:lvl9pPr marL="0" marR="0" indent="0" algn="ctr" defTabSz="2438400" rtl="0" fontAlgn="auto" latinLnBrk="0" hangingPunct="0">
       <a:lnSpc>
         <a:spcPct val="90000"/>
       </a:lnSpc>
@@ -311,10 +321,10 @@
         </a:solidFill>
         <a:effectLst/>
         <a:uFillTx/>
-        <a:latin typeface="Canela Text Regular"/>
-        <a:ea typeface="Canela Text Regular"/>
-        <a:cs typeface="Canela Text Regular"/>
-        <a:sym typeface="Canela Text Regular"/>
+        <a:latin typeface="Canela Bold"/>
+        <a:ea typeface="Canela Bold"/>
+        <a:cs typeface="Canela Bold"/>
+        <a:sym typeface="Canela Bold"/>
       </a:defRPr>
     </a:lvl9pPr>
   </p:defaultTextStyle>
@@ -401,9 +411,9 @@
         <a:spcPct val="117999"/>
       </a:lnSpc>
       <a:defRPr sz="2200">
-        <a:latin typeface="Helvetica Neue"/>
-        <a:ea typeface="Helvetica Neue"/>
-        <a:cs typeface="Helvetica Neue"/>
+        <a:latin typeface="+mn-lt"/>
+        <a:ea typeface="+mn-ea"/>
+        <a:cs typeface="+mn-cs"/>
         <a:sym typeface="Helvetica Neue"/>
       </a:defRPr>
     </a:lvl1pPr>
@@ -412,9 +422,9 @@
         <a:spcPct val="117999"/>
       </a:lnSpc>
       <a:defRPr sz="2200">
-        <a:latin typeface="Helvetica Neue"/>
-        <a:ea typeface="Helvetica Neue"/>
-        <a:cs typeface="Helvetica Neue"/>
+        <a:latin typeface="+mn-lt"/>
+        <a:ea typeface="+mn-ea"/>
+        <a:cs typeface="+mn-cs"/>
         <a:sym typeface="Helvetica Neue"/>
       </a:defRPr>
     </a:lvl2pPr>
@@ -423,9 +433,9 @@
         <a:spcPct val="117999"/>
       </a:lnSpc>
       <a:defRPr sz="2200">
-        <a:latin typeface="Helvetica Neue"/>
-        <a:ea typeface="Helvetica Neue"/>
-        <a:cs typeface="Helvetica Neue"/>
+        <a:latin typeface="+mn-lt"/>
+        <a:ea typeface="+mn-ea"/>
+        <a:cs typeface="+mn-cs"/>
         <a:sym typeface="Helvetica Neue"/>
       </a:defRPr>
     </a:lvl3pPr>
@@ -434,9 +444,9 @@
         <a:spcPct val="117999"/>
       </a:lnSpc>
       <a:defRPr sz="2200">
-        <a:latin typeface="Helvetica Neue"/>
-        <a:ea typeface="Helvetica Neue"/>
-        <a:cs typeface="Helvetica Neue"/>
+        <a:latin typeface="+mn-lt"/>
+        <a:ea typeface="+mn-ea"/>
+        <a:cs typeface="+mn-cs"/>
         <a:sym typeface="Helvetica Neue"/>
       </a:defRPr>
     </a:lvl4pPr>
@@ -445,9 +455,9 @@
         <a:spcPct val="117999"/>
       </a:lnSpc>
       <a:defRPr sz="2200">
-        <a:latin typeface="Helvetica Neue"/>
-        <a:ea typeface="Helvetica Neue"/>
-        <a:cs typeface="Helvetica Neue"/>
+        <a:latin typeface="+mn-lt"/>
+        <a:ea typeface="+mn-ea"/>
+        <a:cs typeface="+mn-cs"/>
         <a:sym typeface="Helvetica Neue"/>
       </a:defRPr>
     </a:lvl5pPr>
@@ -456,9 +466,9 @@
         <a:spcPct val="117999"/>
       </a:lnSpc>
       <a:defRPr sz="2200">
-        <a:latin typeface="Helvetica Neue"/>
-        <a:ea typeface="Helvetica Neue"/>
-        <a:cs typeface="Helvetica Neue"/>
+        <a:latin typeface="+mn-lt"/>
+        <a:ea typeface="+mn-ea"/>
+        <a:cs typeface="+mn-cs"/>
         <a:sym typeface="Helvetica Neue"/>
       </a:defRPr>
     </a:lvl6pPr>
@@ -467,9 +477,9 @@
         <a:spcPct val="117999"/>
       </a:lnSpc>
       <a:defRPr sz="2200">
-        <a:latin typeface="Helvetica Neue"/>
-        <a:ea typeface="Helvetica Neue"/>
-        <a:cs typeface="Helvetica Neue"/>
+        <a:latin typeface="+mn-lt"/>
+        <a:ea typeface="+mn-ea"/>
+        <a:cs typeface="+mn-cs"/>
         <a:sym typeface="Helvetica Neue"/>
       </a:defRPr>
     </a:lvl7pPr>
@@ -478,9 +488,9 @@
         <a:spcPct val="117999"/>
       </a:lnSpc>
       <a:defRPr sz="2200">
-        <a:latin typeface="Helvetica Neue"/>
-        <a:ea typeface="Helvetica Neue"/>
-        <a:cs typeface="Helvetica Neue"/>
+        <a:latin typeface="+mn-lt"/>
+        <a:ea typeface="+mn-ea"/>
+        <a:cs typeface="+mn-cs"/>
         <a:sym typeface="Helvetica Neue"/>
       </a:defRPr>
     </a:lvl8pPr>
@@ -489,9 +499,9 @@
         <a:spcPct val="117999"/>
       </a:lnSpc>
       <a:defRPr sz="2200">
-        <a:latin typeface="Helvetica Neue"/>
-        <a:ea typeface="Helvetica Neue"/>
-        <a:cs typeface="Helvetica Neue"/>
+        <a:latin typeface="+mn-lt"/>
+        <a:ea typeface="+mn-ea"/>
+        <a:cs typeface="+mn-cs"/>
         <a:sym typeface="Helvetica Neue"/>
       </a:defRPr>
     </a:lvl9pPr>
@@ -500,7 +510,7 @@
 </file>
 
 <file path=ppt/slideLayouts/slideLayout1.xml><?xml version="1.0" encoding="utf-8"?>
-<p:sldLayout xmlns:a="http://schemas.openxmlformats.org/drawingml/2006/main" xmlns:r="http://schemas.openxmlformats.org/officeDocument/2006/relationships" xmlns:p="http://schemas.openxmlformats.org/presentationml/2006/main" xmlns:m="http://schemas.openxmlformats.org/officeDocument/2006/math" xmlns:a14="http://schemas.microsoft.com/office/drawing/2010/main" type="title" showMasterSp="1" showMasterPhAnim="1">
+<p:sldLayout xmlns:a="http://schemas.openxmlformats.org/drawingml/2006/main" xmlns:r="http://schemas.openxmlformats.org/officeDocument/2006/relationships" xmlns:p="http://schemas.openxmlformats.org/presentationml/2006/main" xmlns:m="http://schemas.openxmlformats.org/officeDocument/2006/math" xmlns:a14="http://schemas.microsoft.com/office/drawing/2010/main" type="tx" showMasterSp="1" showMasterPhAnim="1">
   <p:cSld name="Title">
     <p:spTree>
       <p:nvGrpSpPr>
@@ -518,16 +528,16 @@
       </p:grpSpPr>
       <p:sp>
         <p:nvSpPr>
-          <p:cNvPr id="11" name="Author and Date"/>
-          <p:cNvSpPr txBox="1"/>
-          <p:nvPr>
-            <p:ph type="body" sz="quarter" idx="21" hasCustomPrompt="1"/>
+          <p:cNvPr id="11" name="Body Level One…"/>
+          <p:cNvSpPr txBox="1"/>
+          <p:nvPr>
+            <p:ph type="body" sz="quarter" idx="1" hasCustomPrompt="1"/>
           </p:nvPr>
         </p:nvSpPr>
         <p:spPr>
           <a:xfrm>
             <a:off x="1219200" y="11986162"/>
-            <a:ext cx="21945599" cy="605791"/>
+            <a:ext cx="21945599" cy="605792"/>
           </a:xfrm>
           <a:prstGeom prst="rect">
             <a:avLst/>
@@ -552,11 +562,91 @@
                 <a:sym typeface="Graphik Medium"/>
               </a:defRPr>
             </a:lvl1pPr>
+            <a:lvl2pPr marL="918440" indent="-372340" algn="ctr" defTabSz="825500">
+              <a:lnSpc>
+                <a:spcPct val="100000"/>
+              </a:lnSpc>
+              <a:spcBef>
+                <a:spcPts val="0"/>
+              </a:spcBef>
+              <a:defRPr spc="-29" sz="3000">
+                <a:latin typeface="Graphik Medium"/>
+                <a:ea typeface="Graphik Medium"/>
+                <a:cs typeface="Graphik Medium"/>
+                <a:sym typeface="Graphik Medium"/>
+              </a:defRPr>
+            </a:lvl2pPr>
+            <a:lvl3pPr marL="1464540" indent="-372340" algn="ctr" defTabSz="825500">
+              <a:lnSpc>
+                <a:spcPct val="100000"/>
+              </a:lnSpc>
+              <a:spcBef>
+                <a:spcPts val="0"/>
+              </a:spcBef>
+              <a:defRPr spc="-29" sz="3000">
+                <a:latin typeface="Graphik Medium"/>
+                <a:ea typeface="Graphik Medium"/>
+                <a:cs typeface="Graphik Medium"/>
+                <a:sym typeface="Graphik Medium"/>
+              </a:defRPr>
+            </a:lvl3pPr>
+            <a:lvl4pPr marL="2010640" indent="-372340" algn="ctr" defTabSz="825500">
+              <a:lnSpc>
+                <a:spcPct val="100000"/>
+              </a:lnSpc>
+              <a:spcBef>
+                <a:spcPts val="0"/>
+              </a:spcBef>
+              <a:defRPr spc="-29" sz="3000">
+                <a:latin typeface="Graphik Medium"/>
+                <a:ea typeface="Graphik Medium"/>
+                <a:cs typeface="Graphik Medium"/>
+                <a:sym typeface="Graphik Medium"/>
+              </a:defRPr>
+            </a:lvl4pPr>
+            <a:lvl5pPr marL="2556740" indent="-372340" algn="ctr" defTabSz="825500">
+              <a:lnSpc>
+                <a:spcPct val="100000"/>
+              </a:lnSpc>
+              <a:spcBef>
+                <a:spcPts val="0"/>
+              </a:spcBef>
+              <a:defRPr spc="-29" sz="3000">
+                <a:latin typeface="Graphik Medium"/>
+                <a:ea typeface="Graphik Medium"/>
+                <a:cs typeface="Graphik Medium"/>
+                <a:sym typeface="Graphik Medium"/>
+              </a:defRPr>
+            </a:lvl5pPr>
           </a:lstStyle>
           <a:p>
             <a:pPr/>
             <a:r>
               <a:t>Author and Date</a:t>
+            </a:r>
+          </a:p>
+          <a:p>
+            <a:pPr lvl="1"/>
+            <a:r>
+              <a:t/>
+            </a:r>
+          </a:p>
+          <a:p>
+            <a:pPr lvl="2"/>
+            <a:r>
+              <a:t/>
+            </a:r>
+          </a:p>
+          <a:p>
+            <a:pPr lvl="3"/>
+            <a:r>
+              <a:t/>
+            </a:r>
+          </a:p>
+          <a:p>
+            <a:pPr lvl="4"/>
+            <a:r>
+              <a:t/>
             </a:r>
           </a:p>
         </p:txBody>
@@ -598,13 +688,13 @@
           <p:cNvPr id="13" name="Body Level One…"/>
           <p:cNvSpPr txBox="1"/>
           <p:nvPr>
-            <p:ph type="body" sz="quarter" idx="1" hasCustomPrompt="1"/>
+            <p:ph type="body" sz="quarter" idx="21" hasCustomPrompt="1"/>
           </p:nvPr>
         </p:nvSpPr>
         <p:spPr>
           <a:xfrm>
             <a:off x="1219200" y="7567579"/>
-            <a:ext cx="21945600" cy="2250593"/>
+            <a:ext cx="21945600" cy="2250594"/>
           </a:xfrm>
           <a:prstGeom prst="rect">
             <a:avLst/>
@@ -622,77 +712,13 @@
               </a:spcBef>
               <a:buSzTx/>
               <a:buNone/>
-              <a:defRPr spc="-59" sz="6000">
+              <a:defRPr spc="-100" sz="6000">
                 <a:latin typeface="Graphik Semibold"/>
                 <a:ea typeface="Graphik Semibold"/>
                 <a:cs typeface="Graphik Semibold"/>
                 <a:sym typeface="Graphik Semibold"/>
               </a:defRPr>
             </a:lvl1pPr>
-            <a:lvl2pPr marL="0" indent="457200" algn="ctr" defTabSz="825500">
-              <a:lnSpc>
-                <a:spcPct val="100000"/>
-              </a:lnSpc>
-              <a:spcBef>
-                <a:spcPts val="0"/>
-              </a:spcBef>
-              <a:buSzTx/>
-              <a:buNone/>
-              <a:defRPr spc="-59" sz="6000">
-                <a:latin typeface="Graphik Semibold"/>
-                <a:ea typeface="Graphik Semibold"/>
-                <a:cs typeface="Graphik Semibold"/>
-                <a:sym typeface="Graphik Semibold"/>
-              </a:defRPr>
-            </a:lvl2pPr>
-            <a:lvl3pPr marL="0" indent="914400" algn="ctr" defTabSz="825500">
-              <a:lnSpc>
-                <a:spcPct val="100000"/>
-              </a:lnSpc>
-              <a:spcBef>
-                <a:spcPts val="0"/>
-              </a:spcBef>
-              <a:buSzTx/>
-              <a:buNone/>
-              <a:defRPr spc="-59" sz="6000">
-                <a:latin typeface="Graphik Semibold"/>
-                <a:ea typeface="Graphik Semibold"/>
-                <a:cs typeface="Graphik Semibold"/>
-                <a:sym typeface="Graphik Semibold"/>
-              </a:defRPr>
-            </a:lvl3pPr>
-            <a:lvl4pPr marL="0" indent="1371600" algn="ctr" defTabSz="825500">
-              <a:lnSpc>
-                <a:spcPct val="100000"/>
-              </a:lnSpc>
-              <a:spcBef>
-                <a:spcPts val="0"/>
-              </a:spcBef>
-              <a:buSzTx/>
-              <a:buNone/>
-              <a:defRPr spc="-59" sz="6000">
-                <a:latin typeface="Graphik Semibold"/>
-                <a:ea typeface="Graphik Semibold"/>
-                <a:cs typeface="Graphik Semibold"/>
-                <a:sym typeface="Graphik Semibold"/>
-              </a:defRPr>
-            </a:lvl4pPr>
-            <a:lvl5pPr marL="0" indent="1828800" algn="ctr" defTabSz="825500">
-              <a:lnSpc>
-                <a:spcPct val="100000"/>
-              </a:lnSpc>
-              <a:spcBef>
-                <a:spcPts val="0"/>
-              </a:spcBef>
-              <a:buSzTx/>
-              <a:buNone/>
-              <a:defRPr spc="-59" sz="6000">
-                <a:latin typeface="Graphik Semibold"/>
-                <a:ea typeface="Graphik Semibold"/>
-                <a:cs typeface="Graphik Semibold"/>
-                <a:sym typeface="Graphik Semibold"/>
-              </a:defRPr>
-            </a:lvl5pPr>
           </a:lstStyle>
           <a:p>
             <a:pPr/>
@@ -700,30 +726,6 @@
               <a:t>Presentation Subtitle</a:t>
             </a:r>
           </a:p>
-          <a:p>
-            <a:pPr lvl="1"/>
-            <a:r>
-              <a:t/>
-            </a:r>
-          </a:p>
-          <a:p>
-            <a:pPr lvl="2"/>
-            <a:r>
-              <a:t/>
-            </a:r>
-          </a:p>
-          <a:p>
-            <a:pPr lvl="3"/>
-            <a:r>
-              <a:t/>
-            </a:r>
-          </a:p>
-          <a:p>
-            <a:pPr lvl="4"/>
-            <a:r>
-              <a:t/>
-            </a:r>
-          </a:p>
         </p:txBody>
       </p:sp>
       <p:sp>
@@ -736,7 +738,7 @@
         </p:nvSpPr>
         <p:spPr>
           <a:xfrm>
-            <a:off x="12001499" y="12700000"/>
+            <a:off x="12001499" y="12700001"/>
             <a:ext cx="388621" cy="429261"/>
           </a:xfrm>
           <a:prstGeom prst="rect">
@@ -814,7 +816,7 @@
                 <a:sym typeface="Canela Regular"/>
               </a:defRPr>
             </a:lvl1pPr>
-            <a:lvl2pPr marL="0" indent="457200" algn="ctr" defTabSz="2438400">
+            <a:lvl2pPr marL="0" indent="0" algn="ctr" defTabSz="2438400">
               <a:lnSpc>
                 <a:spcPct val="80000"/>
               </a:lnSpc>
@@ -830,7 +832,7 @@
                 <a:sym typeface="Canela Regular"/>
               </a:defRPr>
             </a:lvl2pPr>
-            <a:lvl3pPr marL="0" indent="914400" algn="ctr" defTabSz="2438400">
+            <a:lvl3pPr marL="0" indent="0" algn="ctr" defTabSz="2438400">
               <a:lnSpc>
                 <a:spcPct val="80000"/>
               </a:lnSpc>
@@ -846,7 +848,7 @@
                 <a:sym typeface="Canela Regular"/>
               </a:defRPr>
             </a:lvl3pPr>
-            <a:lvl4pPr marL="0" indent="1371600" algn="ctr" defTabSz="2438400">
+            <a:lvl4pPr marL="0" indent="0" algn="ctr" defTabSz="2438400">
               <a:lnSpc>
                 <a:spcPct val="80000"/>
               </a:lnSpc>
@@ -862,7 +864,7 @@
                 <a:sym typeface="Canela Regular"/>
               </a:defRPr>
             </a:lvl4pPr>
-            <a:lvl5pPr marL="0" indent="1828800" algn="ctr" defTabSz="2438400">
+            <a:lvl5pPr marL="0" indent="0" algn="ctr" defTabSz="2438400">
               <a:lnSpc>
                 <a:spcPct val="80000"/>
               </a:lnSpc>
@@ -961,16 +963,16 @@
       </p:grpSpPr>
       <p:sp>
         <p:nvSpPr>
-          <p:cNvPr id="106" name="Fact information"/>
-          <p:cNvSpPr txBox="1"/>
-          <p:nvPr>
-            <p:ph type="body" sz="quarter" idx="21" hasCustomPrompt="1"/>
+          <p:cNvPr id="106" name="Body Level One…"/>
+          <p:cNvSpPr txBox="1"/>
+          <p:nvPr>
+            <p:ph type="body" sz="quarter" idx="1" hasCustomPrompt="1"/>
           </p:nvPr>
         </p:nvSpPr>
         <p:spPr>
           <a:xfrm>
             <a:off x="1219200" y="8462239"/>
-            <a:ext cx="21945602" cy="832613"/>
+            <a:ext cx="21945602" cy="832614"/>
           </a:xfrm>
           <a:prstGeom prst="rect">
             <a:avLst/>
@@ -995,6 +997,62 @@
                 <a:sym typeface="Graphik Semibold"/>
               </a:defRPr>
             </a:lvl1pPr>
+            <a:lvl2pPr algn="ctr" defTabSz="825500">
+              <a:lnSpc>
+                <a:spcPct val="100000"/>
+              </a:lnSpc>
+              <a:spcBef>
+                <a:spcPts val="0"/>
+              </a:spcBef>
+              <a:defRPr spc="-44">
+                <a:latin typeface="Graphik Semibold"/>
+                <a:ea typeface="Graphik Semibold"/>
+                <a:cs typeface="Graphik Semibold"/>
+                <a:sym typeface="Graphik Semibold"/>
+              </a:defRPr>
+            </a:lvl2pPr>
+            <a:lvl3pPr algn="ctr" defTabSz="825500">
+              <a:lnSpc>
+                <a:spcPct val="100000"/>
+              </a:lnSpc>
+              <a:spcBef>
+                <a:spcPts val="0"/>
+              </a:spcBef>
+              <a:defRPr spc="-44">
+                <a:latin typeface="Graphik Semibold"/>
+                <a:ea typeface="Graphik Semibold"/>
+                <a:cs typeface="Graphik Semibold"/>
+                <a:sym typeface="Graphik Semibold"/>
+              </a:defRPr>
+            </a:lvl3pPr>
+            <a:lvl4pPr algn="ctr" defTabSz="825500">
+              <a:lnSpc>
+                <a:spcPct val="100000"/>
+              </a:lnSpc>
+              <a:spcBef>
+                <a:spcPts val="0"/>
+              </a:spcBef>
+              <a:defRPr spc="-44">
+                <a:latin typeface="Graphik Semibold"/>
+                <a:ea typeface="Graphik Semibold"/>
+                <a:cs typeface="Graphik Semibold"/>
+                <a:sym typeface="Graphik Semibold"/>
+              </a:defRPr>
+            </a:lvl4pPr>
+            <a:lvl5pPr algn="ctr" defTabSz="825500">
+              <a:lnSpc>
+                <a:spcPct val="100000"/>
+              </a:lnSpc>
+              <a:spcBef>
+                <a:spcPts val="0"/>
+              </a:spcBef>
+              <a:defRPr spc="-44">
+                <a:latin typeface="Graphik Semibold"/>
+                <a:ea typeface="Graphik Semibold"/>
+                <a:cs typeface="Graphik Semibold"/>
+                <a:sym typeface="Graphik Semibold"/>
+              </a:defRPr>
+            </a:lvl5pPr>
           </a:lstStyle>
           <a:p>
             <a:pPr/>
@@ -1002,6 +1060,30 @@
               <a:t>Fact information</a:t>
             </a:r>
           </a:p>
+          <a:p>
+            <a:pPr lvl="1"/>
+            <a:r>
+              <a:t/>
+            </a:r>
+          </a:p>
+          <a:p>
+            <a:pPr lvl="2"/>
+            <a:r>
+              <a:t/>
+            </a:r>
+          </a:p>
+          <a:p>
+            <a:pPr lvl="3"/>
+            <a:r>
+              <a:t/>
+            </a:r>
+          </a:p>
+          <a:p>
+            <a:pPr lvl="4"/>
+            <a:r>
+              <a:t/>
+            </a:r>
+          </a:p>
         </p:txBody>
       </p:sp>
       <p:sp>
@@ -1009,13 +1091,13 @@
           <p:cNvPr id="107" name="Body Level One…"/>
           <p:cNvSpPr txBox="1"/>
           <p:nvPr>
-            <p:ph type="body" sz="half" idx="1" hasCustomPrompt="1"/>
+            <p:ph type="body" sz="half" idx="21" hasCustomPrompt="1"/>
           </p:nvPr>
         </p:nvSpPr>
         <p:spPr>
           <a:xfrm>
-            <a:off x="1219200" y="4214484"/>
-            <a:ext cx="21945600" cy="4269708"/>
+            <a:off x="1219200" y="4214483"/>
+            <a:ext cx="21945600" cy="4269709"/>
           </a:xfrm>
           <a:prstGeom prst="rect">
             <a:avLst/>
@@ -1023,8 +1105,9 @@
         </p:spPr>
         <p:txBody>
           <a:bodyPr anchor="b"/>
-          <a:lstStyle>
-            <a:lvl1pPr marL="0" indent="0" algn="ctr" defTabSz="2438400">
+          <a:lstStyle/>
+          <a:p>
+            <a:pPr lvl="4" marL="0" indent="1097280" algn="ctr" defTabSz="975360">
               <a:lnSpc>
                 <a:spcPct val="80000"/>
               </a:lnSpc>
@@ -1033,106 +1116,16 @@
               </a:spcBef>
               <a:buSzTx/>
               <a:buNone/>
-              <a:defRPr sz="22400">
-                <a:latin typeface="+mn-lt"/>
-                <a:ea typeface="+mn-ea"/>
-                <a:cs typeface="+mn-cs"/>
+              <a:defRPr sz="8960">
+                <a:latin typeface="Canela Bold"/>
+                <a:ea typeface="Canela Bold"/>
+                <a:cs typeface="Canela Bold"/>
                 <a:sym typeface="Canela Bold"/>
               </a:defRPr>
-            </a:lvl1pPr>
-            <a:lvl2pPr marL="0" indent="457200" algn="ctr" defTabSz="2438400">
-              <a:lnSpc>
-                <a:spcPct val="80000"/>
-              </a:lnSpc>
-              <a:spcBef>
-                <a:spcPts val="0"/>
-              </a:spcBef>
-              <a:buSzTx/>
-              <a:buNone/>
-              <a:defRPr sz="22400">
-                <a:latin typeface="+mn-lt"/>
-                <a:ea typeface="+mn-ea"/>
-                <a:cs typeface="+mn-cs"/>
-                <a:sym typeface="Canela Bold"/>
-              </a:defRPr>
-            </a:lvl2pPr>
-            <a:lvl3pPr marL="0" indent="914400" algn="ctr" defTabSz="2438400">
-              <a:lnSpc>
-                <a:spcPct val="80000"/>
-              </a:lnSpc>
-              <a:spcBef>
-                <a:spcPts val="0"/>
-              </a:spcBef>
-              <a:buSzTx/>
-              <a:buNone/>
-              <a:defRPr sz="22400">
-                <a:latin typeface="+mn-lt"/>
-                <a:ea typeface="+mn-ea"/>
-                <a:cs typeface="+mn-cs"/>
-                <a:sym typeface="Canela Bold"/>
-              </a:defRPr>
-            </a:lvl3pPr>
-            <a:lvl4pPr marL="0" indent="1371600" algn="ctr" defTabSz="2438400">
-              <a:lnSpc>
-                <a:spcPct val="80000"/>
-              </a:lnSpc>
-              <a:spcBef>
-                <a:spcPts val="0"/>
-              </a:spcBef>
-              <a:buSzTx/>
-              <a:buNone/>
-              <a:defRPr sz="22400">
-                <a:latin typeface="+mn-lt"/>
-                <a:ea typeface="+mn-ea"/>
-                <a:cs typeface="+mn-cs"/>
-                <a:sym typeface="Canela Bold"/>
-              </a:defRPr>
-            </a:lvl4pPr>
-            <a:lvl5pPr marL="0" indent="1828800" algn="ctr" defTabSz="2438400">
-              <a:lnSpc>
-                <a:spcPct val="80000"/>
-              </a:lnSpc>
-              <a:spcBef>
-                <a:spcPts val="0"/>
-              </a:spcBef>
-              <a:buSzTx/>
-              <a:buNone/>
-              <a:defRPr sz="22400">
-                <a:latin typeface="+mn-lt"/>
-                <a:ea typeface="+mn-ea"/>
-                <a:cs typeface="+mn-cs"/>
-                <a:sym typeface="Canela Bold"/>
-              </a:defRPr>
-            </a:lvl5pPr>
-          </a:lstStyle>
-          <a:p>
-            <a:pPr/>
-            <a:r>
-              <a:t>100%</a:t>
-            </a:r>
-          </a:p>
-          <a:p>
-            <a:pPr lvl="1"/>
-            <a:r>
-              <a:t/>
-            </a:r>
-          </a:p>
-          <a:p>
-            <a:pPr lvl="2"/>
-            <a:r>
-              <a:t/>
-            </a:r>
-          </a:p>
-          <a:p>
-            <a:pPr lvl="3"/>
-            <a:r>
-              <a:t/>
-            </a:r>
-          </a:p>
-          <a:p>
-            <a:pPr lvl="4"/>
-            <a:r>
-              <a:t/>
+            </a:pPr>
+            <a:r>
+              <a:t>100%
+</a:t>
             </a:r>
           </a:p>
         </p:txBody>
@@ -1187,16 +1180,16 @@
       </p:grpSpPr>
       <p:sp>
         <p:nvSpPr>
-          <p:cNvPr id="115" name="Attribution"/>
-          <p:cNvSpPr txBox="1"/>
-          <p:nvPr>
-            <p:ph type="body" sz="quarter" idx="21" hasCustomPrompt="1"/>
+          <p:cNvPr id="115" name="Body Level One…"/>
+          <p:cNvSpPr txBox="1"/>
+          <p:nvPr>
+            <p:ph type="body" sz="quarter" idx="1" hasCustomPrompt="1"/>
           </p:nvPr>
         </p:nvSpPr>
         <p:spPr>
           <a:xfrm>
-            <a:off x="1219200" y="11100053"/>
-            <a:ext cx="21945602" cy="832613"/>
+            <a:off x="1219200" y="11100052"/>
+            <a:ext cx="21945602" cy="832614"/>
           </a:xfrm>
           <a:prstGeom prst="rect">
             <a:avLst/>
@@ -1221,6 +1214,62 @@
                 <a:sym typeface="Graphik Semibold"/>
               </a:defRPr>
             </a:lvl1pPr>
+            <a:lvl2pPr algn="ctr" defTabSz="825500">
+              <a:lnSpc>
+                <a:spcPct val="100000"/>
+              </a:lnSpc>
+              <a:spcBef>
+                <a:spcPts val="0"/>
+              </a:spcBef>
+              <a:defRPr spc="-44">
+                <a:latin typeface="Graphik Semibold"/>
+                <a:ea typeface="Graphik Semibold"/>
+                <a:cs typeface="Graphik Semibold"/>
+                <a:sym typeface="Graphik Semibold"/>
+              </a:defRPr>
+            </a:lvl2pPr>
+            <a:lvl3pPr algn="ctr" defTabSz="825500">
+              <a:lnSpc>
+                <a:spcPct val="100000"/>
+              </a:lnSpc>
+              <a:spcBef>
+                <a:spcPts val="0"/>
+              </a:spcBef>
+              <a:defRPr spc="-44">
+                <a:latin typeface="Graphik Semibold"/>
+                <a:ea typeface="Graphik Semibold"/>
+                <a:cs typeface="Graphik Semibold"/>
+                <a:sym typeface="Graphik Semibold"/>
+              </a:defRPr>
+            </a:lvl3pPr>
+            <a:lvl4pPr algn="ctr" defTabSz="825500">
+              <a:lnSpc>
+                <a:spcPct val="100000"/>
+              </a:lnSpc>
+              <a:spcBef>
+                <a:spcPts val="0"/>
+              </a:spcBef>
+              <a:defRPr spc="-44">
+                <a:latin typeface="Graphik Semibold"/>
+                <a:ea typeface="Graphik Semibold"/>
+                <a:cs typeface="Graphik Semibold"/>
+                <a:sym typeface="Graphik Semibold"/>
+              </a:defRPr>
+            </a:lvl4pPr>
+            <a:lvl5pPr algn="ctr" defTabSz="825500">
+              <a:lnSpc>
+                <a:spcPct val="100000"/>
+              </a:lnSpc>
+              <a:spcBef>
+                <a:spcPts val="0"/>
+              </a:spcBef>
+              <a:defRPr spc="-44">
+                <a:latin typeface="Graphik Semibold"/>
+                <a:ea typeface="Graphik Semibold"/>
+                <a:cs typeface="Graphik Semibold"/>
+                <a:sym typeface="Graphik Semibold"/>
+              </a:defRPr>
+            </a:lvl5pPr>
           </a:lstStyle>
           <a:p>
             <a:pPr/>
@@ -1228,6 +1277,30 @@
               <a:t>Attribution</a:t>
             </a:r>
           </a:p>
+          <a:p>
+            <a:pPr lvl="1"/>
+            <a:r>
+              <a:t/>
+            </a:r>
+          </a:p>
+          <a:p>
+            <a:pPr lvl="2"/>
+            <a:r>
+              <a:t/>
+            </a:r>
+          </a:p>
+          <a:p>
+            <a:pPr lvl="3"/>
+            <a:r>
+              <a:t/>
+            </a:r>
+          </a:p>
+          <a:p>
+            <a:pPr lvl="4"/>
+            <a:r>
+              <a:t/>
+            </a:r>
+          </a:p>
         </p:txBody>
       </p:sp>
       <p:sp>
@@ -1235,7 +1308,7 @@
           <p:cNvPr id="116" name="Body Level One…"/>
           <p:cNvSpPr txBox="1"/>
           <p:nvPr>
-            <p:ph type="body" sz="half" idx="1" hasCustomPrompt="1"/>
+            <p:ph type="body" sz="half" idx="21" hasCustomPrompt="1"/>
           </p:nvPr>
         </p:nvSpPr>
         <p:spPr>
@@ -1249,8 +1322,9 @@
         </p:spPr>
         <p:txBody>
           <a:bodyPr anchor="ctr"/>
-          <a:lstStyle>
-            <a:lvl1pPr marL="0" indent="0" algn="ctr" defTabSz="2438400">
+          <a:lstStyle/>
+          <a:p>
+            <a:pPr lvl="4" marL="0" indent="1700783" algn="ctr" defTabSz="1511808">
               <a:lnSpc>
                 <a:spcPct val="80000"/>
               </a:lnSpc>
@@ -1259,106 +1333,16 @@
               </a:spcBef>
               <a:buSzTx/>
               <a:buNone/>
-              <a:defRPr sz="8400">
-                <a:latin typeface="+mn-lt"/>
-                <a:ea typeface="+mn-ea"/>
-                <a:cs typeface="+mn-cs"/>
+              <a:defRPr sz="5208">
+                <a:latin typeface="Canela Bold"/>
+                <a:ea typeface="Canela Bold"/>
+                <a:cs typeface="Canela Bold"/>
                 <a:sym typeface="Canela Bold"/>
               </a:defRPr>
-            </a:lvl1pPr>
-            <a:lvl2pPr marL="0" indent="457200" algn="ctr" defTabSz="2438400">
-              <a:lnSpc>
-                <a:spcPct val="80000"/>
-              </a:lnSpc>
-              <a:spcBef>
-                <a:spcPts val="0"/>
-              </a:spcBef>
-              <a:buSzTx/>
-              <a:buNone/>
-              <a:defRPr sz="8400">
-                <a:latin typeface="+mn-lt"/>
-                <a:ea typeface="+mn-ea"/>
-                <a:cs typeface="+mn-cs"/>
-                <a:sym typeface="Canela Bold"/>
-              </a:defRPr>
-            </a:lvl2pPr>
-            <a:lvl3pPr marL="0" indent="914400" algn="ctr" defTabSz="2438400">
-              <a:lnSpc>
-                <a:spcPct val="80000"/>
-              </a:lnSpc>
-              <a:spcBef>
-                <a:spcPts val="0"/>
-              </a:spcBef>
-              <a:buSzTx/>
-              <a:buNone/>
-              <a:defRPr sz="8400">
-                <a:latin typeface="+mn-lt"/>
-                <a:ea typeface="+mn-ea"/>
-                <a:cs typeface="+mn-cs"/>
-                <a:sym typeface="Canela Bold"/>
-              </a:defRPr>
-            </a:lvl3pPr>
-            <a:lvl4pPr marL="0" indent="1371600" algn="ctr" defTabSz="2438400">
-              <a:lnSpc>
-                <a:spcPct val="80000"/>
-              </a:lnSpc>
-              <a:spcBef>
-                <a:spcPts val="0"/>
-              </a:spcBef>
-              <a:buSzTx/>
-              <a:buNone/>
-              <a:defRPr sz="8400">
-                <a:latin typeface="+mn-lt"/>
-                <a:ea typeface="+mn-ea"/>
-                <a:cs typeface="+mn-cs"/>
-                <a:sym typeface="Canela Bold"/>
-              </a:defRPr>
-            </a:lvl4pPr>
-            <a:lvl5pPr marL="0" indent="1828800" algn="ctr" defTabSz="2438400">
-              <a:lnSpc>
-                <a:spcPct val="80000"/>
-              </a:lnSpc>
-              <a:spcBef>
-                <a:spcPts val="0"/>
-              </a:spcBef>
-              <a:buSzTx/>
-              <a:buNone/>
-              <a:defRPr sz="8400">
-                <a:latin typeface="+mn-lt"/>
-                <a:ea typeface="+mn-ea"/>
-                <a:cs typeface="+mn-cs"/>
-                <a:sym typeface="Canela Bold"/>
-              </a:defRPr>
-            </a:lvl5pPr>
-          </a:lstStyle>
-          <a:p>
-            <a:pPr/>
-            <a:r>
-              <a:t>“Notable Quote”</a:t>
-            </a:r>
-          </a:p>
-          <a:p>
-            <a:pPr lvl="1"/>
-            <a:r>
-              <a:t/>
-            </a:r>
-          </a:p>
-          <a:p>
-            <a:pPr lvl="2"/>
-            <a:r>
-              <a:t/>
-            </a:r>
-          </a:p>
-          <a:p>
-            <a:pPr lvl="3"/>
-            <a:r>
-              <a:t/>
-            </a:r>
-          </a:p>
-          <a:p>
-            <a:pPr lvl="4"/>
-            <a:r>
-              <a:t/>
+            </a:pPr>
+            <a:r>
+              <a:t>“Notable Quote”
+</a:t>
             </a:r>
           </a:p>
         </p:txBody>
@@ -1373,7 +1357,7 @@
         </p:nvSpPr>
         <p:spPr>
           <a:xfrm>
-            <a:off x="12001499" y="12700000"/>
+            <a:off x="12001499" y="12700001"/>
             <a:ext cx="388621" cy="429261"/>
           </a:xfrm>
           <a:prstGeom prst="rect">
@@ -1425,8 +1409,8 @@
         </p:nvSpPr>
         <p:spPr>
           <a:xfrm>
-            <a:off x="15744825" y="5581752"/>
-            <a:ext cx="7365408" cy="8280401"/>
+            <a:off x="15744825" y="5581751"/>
+            <a:ext cx="7365408" cy="8280402"/>
           </a:xfrm>
           <a:prstGeom prst="rect">
             <a:avLst/>
@@ -1506,7 +1490,7 @@
         </p:nvSpPr>
         <p:spPr>
           <a:xfrm>
-            <a:off x="12001499" y="12700000"/>
+            <a:off x="12001499" y="12700001"/>
             <a:ext cx="388621" cy="429261"/>
           </a:xfrm>
           <a:prstGeom prst="rect">
@@ -1585,7 +1569,7 @@
         </p:nvSpPr>
         <p:spPr>
           <a:xfrm>
-            <a:off x="12001499" y="12700000"/>
+            <a:off x="12001499" y="12700001"/>
             <a:ext cx="388621" cy="429261"/>
           </a:xfrm>
           <a:prstGeom prst="rect">
@@ -1637,7 +1621,7 @@
         </p:nvSpPr>
         <p:spPr>
           <a:xfrm>
-            <a:off x="12001499" y="12700000"/>
+            <a:off x="12001499" y="12700001"/>
             <a:ext cx="388621" cy="429261"/>
           </a:xfrm>
           <a:prstGeom prst="rect">
@@ -1771,7 +1755,7 @@
               </a:spcBef>
               <a:buSzTx/>
               <a:buNone/>
-              <a:defRPr spc="-59" sz="6000">
+              <a:defRPr spc="-58" sz="6000">
                 <a:solidFill>
                   <a:srgbClr val="FFFFFF"/>
                 </a:solidFill>
@@ -1781,7 +1765,7 @@
                 <a:sym typeface="Graphik Semibold"/>
               </a:defRPr>
             </a:lvl1pPr>
-            <a:lvl2pPr marL="0" indent="457200" algn="ctr" defTabSz="825500">
+            <a:lvl2pPr marL="0" indent="0" algn="ctr" defTabSz="825500">
               <a:lnSpc>
                 <a:spcPct val="100000"/>
               </a:lnSpc>
@@ -1790,7 +1774,7 @@
               </a:spcBef>
               <a:buSzTx/>
               <a:buNone/>
-              <a:defRPr spc="-59" sz="6000">
+              <a:defRPr spc="-58" sz="6000">
                 <a:solidFill>
                   <a:srgbClr val="FFFFFF"/>
                 </a:solidFill>
@@ -1800,7 +1784,7 @@
                 <a:sym typeface="Graphik Semibold"/>
               </a:defRPr>
             </a:lvl2pPr>
-            <a:lvl3pPr marL="0" indent="914400" algn="ctr" defTabSz="825500">
+            <a:lvl3pPr marL="0" indent="0" algn="ctr" defTabSz="825500">
               <a:lnSpc>
                 <a:spcPct val="100000"/>
               </a:lnSpc>
@@ -1809,7 +1793,7 @@
               </a:spcBef>
               <a:buSzTx/>
               <a:buNone/>
-              <a:defRPr spc="-59" sz="6000">
+              <a:defRPr spc="-58" sz="6000">
                 <a:solidFill>
                   <a:srgbClr val="FFFFFF"/>
                 </a:solidFill>
@@ -1819,7 +1803,7 @@
                 <a:sym typeface="Graphik Semibold"/>
               </a:defRPr>
             </a:lvl3pPr>
-            <a:lvl4pPr marL="0" indent="1371600" algn="ctr" defTabSz="825500">
+            <a:lvl4pPr marL="0" indent="0" algn="ctr" defTabSz="825500">
               <a:lnSpc>
                 <a:spcPct val="100000"/>
               </a:lnSpc>
@@ -1828,7 +1812,7 @@
               </a:spcBef>
               <a:buSzTx/>
               <a:buNone/>
-              <a:defRPr spc="-59" sz="6000">
+              <a:defRPr spc="-58" sz="6000">
                 <a:solidFill>
                   <a:srgbClr val="FFFFFF"/>
                 </a:solidFill>
@@ -1838,7 +1822,7 @@
                 <a:sym typeface="Graphik Semibold"/>
               </a:defRPr>
             </a:lvl4pPr>
-            <a:lvl5pPr marL="0" indent="1828800" algn="ctr" defTabSz="825500">
+            <a:lvl5pPr marL="0" indent="0" algn="ctr" defTabSz="825500">
               <a:lnSpc>
                 <a:spcPct val="100000"/>
               </a:lnSpc>
@@ -1847,7 +1831,7 @@
               </a:spcBef>
               <a:buSzTx/>
               <a:buNone/>
-              <a:defRPr spc="-59" sz="6000">
+              <a:defRPr spc="-58" sz="6000">
                 <a:solidFill>
                   <a:srgbClr val="FFFFFF"/>
                 </a:solidFill>
@@ -1919,7 +1903,7 @@
               </a:spcBef>
               <a:buSzTx/>
               <a:buNone/>
-              <a:defRPr spc="-29" sz="3000">
+              <a:defRPr spc="-100" sz="3000">
                 <a:solidFill>
                   <a:srgbClr val="FFFFFF"/>
                 </a:solidFill>
@@ -2004,8 +1988,8 @@
         </p:nvSpPr>
         <p:spPr>
           <a:xfrm>
-            <a:off x="1215495" y="4585102"/>
-            <a:ext cx="9757338" cy="2540001"/>
+            <a:off x="1215494" y="4585101"/>
+            <a:ext cx="9757339" cy="2540002"/>
           </a:xfrm>
           <a:prstGeom prst="rect">
             <a:avLst/>
@@ -2085,7 +2069,7 @@
                 <a:sym typeface="Graphik Semibold"/>
               </a:defRPr>
             </a:lvl1pPr>
-            <a:lvl2pPr marL="0" indent="457200" algn="ctr" defTabSz="825500">
+            <a:lvl2pPr marL="0" indent="0" algn="ctr" defTabSz="825500">
               <a:lnSpc>
                 <a:spcPct val="100000"/>
               </a:lnSpc>
@@ -2101,7 +2085,7 @@
                 <a:sym typeface="Graphik Semibold"/>
               </a:defRPr>
             </a:lvl2pPr>
-            <a:lvl3pPr marL="0" indent="914400" algn="ctr" defTabSz="825500">
+            <a:lvl3pPr marL="0" indent="0" algn="ctr" defTabSz="825500">
               <a:lnSpc>
                 <a:spcPct val="100000"/>
               </a:lnSpc>
@@ -2117,7 +2101,7 @@
                 <a:sym typeface="Graphik Semibold"/>
               </a:defRPr>
             </a:lvl3pPr>
-            <a:lvl4pPr marL="0" indent="1371600" algn="ctr" defTabSz="825500">
+            <a:lvl4pPr marL="0" indent="0" algn="ctr" defTabSz="825500">
               <a:lnSpc>
                 <a:spcPct val="100000"/>
               </a:lnSpc>
@@ -2133,7 +2117,7 @@
                 <a:sym typeface="Graphik Semibold"/>
               </a:defRPr>
             </a:lvl4pPr>
-            <a:lvl5pPr marL="0" indent="1828800" algn="ctr" defTabSz="825500">
+            <a:lvl5pPr marL="0" indent="0" algn="ctr" defTabSz="825500">
               <a:lnSpc>
                 <a:spcPct val="100000"/>
               </a:lnSpc>
@@ -2313,7 +2297,7 @@
         <p:spPr>
           <a:xfrm>
             <a:off x="1219200" y="2384648"/>
-            <a:ext cx="21945602" cy="832613"/>
+            <a:ext cx="21945602" cy="832614"/>
           </a:xfrm>
           <a:prstGeom prst="rect">
             <a:avLst/>
@@ -2331,7 +2315,7 @@
               </a:spcBef>
               <a:buSzTx/>
               <a:buNone/>
-              <a:defRPr spc="-44">
+              <a:defRPr spc="-100">
                 <a:latin typeface="Graphik Semibold"/>
                 <a:ea typeface="Graphik Semibold"/>
                 <a:cs typeface="Graphik Semibold"/>
@@ -2413,7 +2397,7 @@
           </a:prstGeom>
         </p:spPr>
         <p:txBody>
-          <a:bodyPr numCol="2" spcCol="2558384"/>
+          <a:bodyPr numCol="2" spcCol="2558383"/>
           <a:lstStyle/>
           <a:p>
             <a:pPr/>
@@ -2457,7 +2441,7 @@
         </p:nvSpPr>
         <p:spPr>
           <a:xfrm>
-            <a:off x="12001499" y="12700000"/>
+            <a:off x="12001499" y="12700001"/>
             <a:ext cx="388621" cy="429261"/>
           </a:xfrm>
           <a:prstGeom prst="rect">
@@ -2538,7 +2522,7 @@
         <p:spPr>
           <a:xfrm>
             <a:off x="12192644" y="718588"/>
-            <a:ext cx="10972801" cy="12329624"/>
+            <a:ext cx="10972801" cy="12329625"/>
           </a:xfrm>
           <a:prstGeom prst="rect">
             <a:avLst/>
@@ -2556,10 +2540,10 @@
       </p:sp>
       <p:sp>
         <p:nvSpPr>
-          <p:cNvPr id="62" name="Slide Subtitle"/>
-          <p:cNvSpPr txBox="1"/>
-          <p:nvPr>
-            <p:ph type="body" sz="quarter" idx="22" hasCustomPrompt="1"/>
+          <p:cNvPr id="62" name="Body Level One…"/>
+          <p:cNvSpPr txBox="1"/>
+          <p:nvPr>
+            <p:ph type="body" sz="quarter" idx="1" hasCustomPrompt="1"/>
           </p:nvPr>
         </p:nvSpPr>
         <p:spPr>
@@ -2590,6 +2574,62 @@
                 <a:sym typeface="Graphik Semibold"/>
               </a:defRPr>
             </a:lvl1pPr>
+            <a:lvl2pPr algn="ctr" defTabSz="825500">
+              <a:lnSpc>
+                <a:spcPct val="100000"/>
+              </a:lnSpc>
+              <a:spcBef>
+                <a:spcPts val="0"/>
+              </a:spcBef>
+              <a:defRPr spc="-44">
+                <a:latin typeface="Graphik Semibold"/>
+                <a:ea typeface="Graphik Semibold"/>
+                <a:cs typeface="Graphik Semibold"/>
+                <a:sym typeface="Graphik Semibold"/>
+              </a:defRPr>
+            </a:lvl2pPr>
+            <a:lvl3pPr algn="ctr" defTabSz="825500">
+              <a:lnSpc>
+                <a:spcPct val="100000"/>
+              </a:lnSpc>
+              <a:spcBef>
+                <a:spcPts val="0"/>
+              </a:spcBef>
+              <a:defRPr spc="-44">
+                <a:latin typeface="Graphik Semibold"/>
+                <a:ea typeface="Graphik Semibold"/>
+                <a:cs typeface="Graphik Semibold"/>
+                <a:sym typeface="Graphik Semibold"/>
+              </a:defRPr>
+            </a:lvl3pPr>
+            <a:lvl4pPr algn="ctr" defTabSz="825500">
+              <a:lnSpc>
+                <a:spcPct val="100000"/>
+              </a:lnSpc>
+              <a:spcBef>
+                <a:spcPts val="0"/>
+              </a:spcBef>
+              <a:defRPr spc="-44">
+                <a:latin typeface="Graphik Semibold"/>
+                <a:ea typeface="Graphik Semibold"/>
+                <a:cs typeface="Graphik Semibold"/>
+                <a:sym typeface="Graphik Semibold"/>
+              </a:defRPr>
+            </a:lvl4pPr>
+            <a:lvl5pPr algn="ctr" defTabSz="825500">
+              <a:lnSpc>
+                <a:spcPct val="100000"/>
+              </a:lnSpc>
+              <a:spcBef>
+                <a:spcPts val="0"/>
+              </a:spcBef>
+              <a:defRPr spc="-44">
+                <a:latin typeface="Graphik Semibold"/>
+                <a:ea typeface="Graphik Semibold"/>
+                <a:cs typeface="Graphik Semibold"/>
+                <a:sym typeface="Graphik Semibold"/>
+              </a:defRPr>
+            </a:lvl5pPr>
           </a:lstStyle>
           <a:p>
             <a:pPr/>
@@ -2597,6 +2637,30 @@
               <a:t>Slide Subtitle</a:t>
             </a:r>
           </a:p>
+          <a:p>
+            <a:pPr lvl="1"/>
+            <a:r>
+              <a:t/>
+            </a:r>
+          </a:p>
+          <a:p>
+            <a:pPr lvl="2"/>
+            <a:r>
+              <a:t/>
+            </a:r>
+          </a:p>
+          <a:p>
+            <a:pPr lvl="3"/>
+            <a:r>
+              <a:t/>
+            </a:r>
+          </a:p>
+          <a:p>
+            <a:pPr lvl="4"/>
+            <a:r>
+              <a:t/>
+            </a:r>
+          </a:p>
         </p:txBody>
       </p:sp>
       <p:sp>
@@ -2604,13 +2668,13 @@
           <p:cNvPr id="63" name="Body Level One…"/>
           <p:cNvSpPr txBox="1"/>
           <p:nvPr>
-            <p:ph type="body" sz="half" idx="1" hasCustomPrompt="1"/>
+            <p:ph type="body" sz="half" idx="22" hasCustomPrompt="1"/>
           </p:nvPr>
         </p:nvSpPr>
         <p:spPr>
           <a:xfrm>
-            <a:off x="1219200" y="4023221"/>
-            <a:ext cx="9757569" cy="8384679"/>
+            <a:off x="1219199" y="4023221"/>
+            <a:ext cx="9757571" cy="8384680"/>
           </a:xfrm>
           <a:prstGeom prst="rect">
             <a:avLst/>
@@ -2625,30 +2689,6 @@
               <a:t>Slide bullet text</a:t>
             </a:r>
           </a:p>
-          <a:p>
-            <a:pPr lvl="1"/>
-            <a:r>
-              <a:t/>
-            </a:r>
-          </a:p>
-          <a:p>
-            <a:pPr lvl="2"/>
-            <a:r>
-              <a:t/>
-            </a:r>
-          </a:p>
-          <a:p>
-            <a:pPr lvl="3"/>
-            <a:r>
-              <a:t/>
-            </a:r>
-          </a:p>
-          <a:p>
-            <a:pPr lvl="4"/>
-            <a:r>
-              <a:t/>
-            </a:r>
-          </a:p>
         </p:txBody>
       </p:sp>
       <p:sp>
@@ -2661,7 +2701,7 @@
         </p:nvSpPr>
         <p:spPr>
           <a:xfrm>
-            <a:off x="12004039" y="12700000"/>
+            <a:off x="12004039" y="12700001"/>
             <a:ext cx="388621" cy="429261"/>
           </a:xfrm>
           <a:prstGeom prst="rect">
@@ -2713,8 +2753,8 @@
         </p:nvSpPr>
         <p:spPr>
           <a:xfrm>
-            <a:off x="1219200" y="3242270"/>
-            <a:ext cx="21945600" cy="6604001"/>
+            <a:off x="1219200" y="3242269"/>
+            <a:ext cx="21945600" cy="6604002"/>
           </a:xfrm>
           <a:prstGeom prst="rect">
             <a:avLst/>
@@ -2745,7 +2785,7 @@
         </p:nvSpPr>
         <p:spPr>
           <a:xfrm>
-            <a:off x="12001499" y="12700000"/>
+            <a:off x="12001499" y="12700001"/>
             <a:ext cx="388621" cy="429261"/>
           </a:xfrm>
           <a:prstGeom prst="rect">
@@ -2813,16 +2853,16 @@
       </p:sp>
       <p:sp>
         <p:nvSpPr>
-          <p:cNvPr id="80" name="Slide Subtitle"/>
-          <p:cNvSpPr txBox="1"/>
-          <p:nvPr>
-            <p:ph type="body" sz="quarter" idx="21" hasCustomPrompt="1"/>
+          <p:cNvPr id="80" name="Body Level One…"/>
+          <p:cNvSpPr txBox="1"/>
+          <p:nvPr>
+            <p:ph type="body" sz="quarter" idx="1" hasCustomPrompt="1"/>
           </p:nvPr>
         </p:nvSpPr>
         <p:spPr>
           <a:xfrm>
             <a:off x="1219200" y="2384648"/>
-            <a:ext cx="21945602" cy="832613"/>
+            <a:ext cx="21945602" cy="832614"/>
           </a:xfrm>
           <a:prstGeom prst="rect">
             <a:avLst/>
@@ -2847,6 +2887,62 @@
                 <a:sym typeface="Graphik Semibold"/>
               </a:defRPr>
             </a:lvl1pPr>
+            <a:lvl2pPr algn="ctr" defTabSz="825500">
+              <a:lnSpc>
+                <a:spcPct val="100000"/>
+              </a:lnSpc>
+              <a:spcBef>
+                <a:spcPts val="0"/>
+              </a:spcBef>
+              <a:defRPr spc="-44">
+                <a:latin typeface="Graphik Semibold"/>
+                <a:ea typeface="Graphik Semibold"/>
+                <a:cs typeface="Graphik Semibold"/>
+                <a:sym typeface="Graphik Semibold"/>
+              </a:defRPr>
+            </a:lvl2pPr>
+            <a:lvl3pPr algn="ctr" defTabSz="825500">
+              <a:lnSpc>
+                <a:spcPct val="100000"/>
+              </a:lnSpc>
+              <a:spcBef>
+                <a:spcPts val="0"/>
+              </a:spcBef>
+              <a:defRPr spc="-44">
+                <a:latin typeface="Graphik Semibold"/>
+                <a:ea typeface="Graphik Semibold"/>
+                <a:cs typeface="Graphik Semibold"/>
+                <a:sym typeface="Graphik Semibold"/>
+              </a:defRPr>
+            </a:lvl3pPr>
+            <a:lvl4pPr algn="ctr" defTabSz="825500">
+              <a:lnSpc>
+                <a:spcPct val="100000"/>
+              </a:lnSpc>
+              <a:spcBef>
+                <a:spcPts val="0"/>
+              </a:spcBef>
+              <a:defRPr spc="-44">
+                <a:latin typeface="Graphik Semibold"/>
+                <a:ea typeface="Graphik Semibold"/>
+                <a:cs typeface="Graphik Semibold"/>
+                <a:sym typeface="Graphik Semibold"/>
+              </a:defRPr>
+            </a:lvl4pPr>
+            <a:lvl5pPr algn="ctr" defTabSz="825500">
+              <a:lnSpc>
+                <a:spcPct val="100000"/>
+              </a:lnSpc>
+              <a:spcBef>
+                <a:spcPts val="0"/>
+              </a:spcBef>
+              <a:defRPr spc="-44">
+                <a:latin typeface="Graphik Semibold"/>
+                <a:ea typeface="Graphik Semibold"/>
+                <a:cs typeface="Graphik Semibold"/>
+                <a:sym typeface="Graphik Semibold"/>
+              </a:defRPr>
+            </a:lvl5pPr>
           </a:lstStyle>
           <a:p>
             <a:pPr/>
@@ -2854,6 +2950,30 @@
               <a:t>Slide Subtitle</a:t>
             </a:r>
           </a:p>
+          <a:p>
+            <a:pPr lvl="1"/>
+            <a:r>
+              <a:t/>
+            </a:r>
+          </a:p>
+          <a:p>
+            <a:pPr lvl="2"/>
+            <a:r>
+              <a:t/>
+            </a:r>
+          </a:p>
+          <a:p>
+            <a:pPr lvl="3"/>
+            <a:r>
+              <a:t/>
+            </a:r>
+          </a:p>
+          <a:p>
+            <a:pPr lvl="4"/>
+            <a:r>
+              <a:t/>
+            </a:r>
+          </a:p>
         </p:txBody>
       </p:sp>
       <p:sp>
@@ -2866,7 +2986,7 @@
         </p:nvSpPr>
         <p:spPr>
           <a:xfrm>
-            <a:off x="12001499" y="12700000"/>
+            <a:off x="12001499" y="12700001"/>
             <a:ext cx="388621" cy="429261"/>
           </a:xfrm>
           <a:prstGeom prst="rect">
@@ -2965,7 +3085,7 @@
                 <a:sym typeface="Canela Deck Regular"/>
               </a:defRPr>
             </a:lvl1pPr>
-            <a:lvl2pPr marL="0" indent="457200" defTabSz="825500">
+            <a:lvl2pPr marL="0" indent="0" defTabSz="825500">
               <a:lnSpc>
                 <a:spcPct val="100000"/>
               </a:lnSpc>
@@ -2978,7 +3098,7 @@
                 <a:sym typeface="Canela Deck Regular"/>
               </a:defRPr>
             </a:lvl2pPr>
-            <a:lvl3pPr marL="0" indent="914400" defTabSz="825500">
+            <a:lvl3pPr marL="0" indent="0" defTabSz="825500">
               <a:lnSpc>
                 <a:spcPct val="100000"/>
               </a:lnSpc>
@@ -2991,7 +3111,7 @@
                 <a:sym typeface="Canela Deck Regular"/>
               </a:defRPr>
             </a:lvl3pPr>
-            <a:lvl4pPr marL="0" indent="1371600" defTabSz="825500">
+            <a:lvl4pPr marL="0" indent="0" defTabSz="825500">
               <a:lnSpc>
                 <a:spcPct val="100000"/>
               </a:lnSpc>
@@ -3004,7 +3124,7 @@
                 <a:sym typeface="Canela Deck Regular"/>
               </a:defRPr>
             </a:lvl4pPr>
-            <a:lvl5pPr marL="0" indent="1828800" defTabSz="825500">
+            <a:lvl5pPr marL="0" indent="0" defTabSz="825500">
               <a:lnSpc>
                 <a:spcPct val="100000"/>
               </a:lnSpc>
@@ -3060,8 +3180,8 @@
         </p:nvSpPr>
         <p:spPr>
           <a:xfrm>
-            <a:off x="1219200" y="2387115"/>
-            <a:ext cx="21945602" cy="832613"/>
+            <a:off x="1219200" y="2387114"/>
+            <a:ext cx="21945602" cy="832614"/>
           </a:xfrm>
           <a:prstGeom prst="rect">
             <a:avLst/>
@@ -3079,7 +3199,7 @@
               </a:spcBef>
               <a:buSzTx/>
               <a:buNone/>
-              <a:defRPr spc="-44">
+              <a:defRPr spc="-100">
                 <a:latin typeface="Graphik Semibold"/>
                 <a:ea typeface="Graphik Semibold"/>
                 <a:cs typeface="Graphik Semibold"/>
@@ -3105,7 +3225,7 @@
         </p:nvSpPr>
         <p:spPr>
           <a:xfrm>
-            <a:off x="12001499" y="12700000"/>
+            <a:off x="12001499" y="12700001"/>
             <a:ext cx="388621" cy="429261"/>
           </a:xfrm>
           <a:prstGeom prst="rect">
@@ -3264,7 +3384,7 @@
         </p:nvSpPr>
         <p:spPr>
           <a:xfrm>
-            <a:off x="11997689" y="12700000"/>
+            <a:off x="11997689" y="12700001"/>
             <a:ext cx="388621" cy="429261"/>
           </a:xfrm>
           <a:prstGeom prst="rect">
@@ -3343,13 +3463,13 @@
             <a:srgbClr val="000000"/>
           </a:solidFill>
           <a:uFillTx/>
-          <a:latin typeface="+mn-lt"/>
-          <a:ea typeface="+mn-ea"/>
-          <a:cs typeface="+mn-cs"/>
+          <a:latin typeface="Canela Bold"/>
+          <a:ea typeface="Canela Bold"/>
+          <a:cs typeface="Canela Bold"/>
           <a:sym typeface="Canela Bold"/>
         </a:defRPr>
       </a:lvl1pPr>
-      <a:lvl2pPr marL="0" marR="0" indent="457200" algn="ctr" defTabSz="2438400" rtl="0" latinLnBrk="0">
+      <a:lvl2pPr marL="0" marR="0" indent="0" algn="ctr" defTabSz="2438400" rtl="0" latinLnBrk="0">
         <a:lnSpc>
           <a:spcPct val="80000"/>
         </a:lnSpc>
@@ -3369,13 +3489,13 @@
             <a:srgbClr val="000000"/>
           </a:solidFill>
           <a:uFillTx/>
-          <a:latin typeface="+mn-lt"/>
-          <a:ea typeface="+mn-ea"/>
-          <a:cs typeface="+mn-cs"/>
+          <a:latin typeface="Canela Bold"/>
+          <a:ea typeface="Canela Bold"/>
+          <a:cs typeface="Canela Bold"/>
           <a:sym typeface="Canela Bold"/>
         </a:defRPr>
       </a:lvl2pPr>
-      <a:lvl3pPr marL="0" marR="0" indent="914400" algn="ctr" defTabSz="2438400" rtl="0" latinLnBrk="0">
+      <a:lvl3pPr marL="0" marR="0" indent="0" algn="ctr" defTabSz="2438400" rtl="0" latinLnBrk="0">
         <a:lnSpc>
           <a:spcPct val="80000"/>
         </a:lnSpc>
@@ -3395,13 +3515,13 @@
             <a:srgbClr val="000000"/>
           </a:solidFill>
           <a:uFillTx/>
-          <a:latin typeface="+mn-lt"/>
-          <a:ea typeface="+mn-ea"/>
-          <a:cs typeface="+mn-cs"/>
+          <a:latin typeface="Canela Bold"/>
+          <a:ea typeface="Canela Bold"/>
+          <a:cs typeface="Canela Bold"/>
           <a:sym typeface="Canela Bold"/>
         </a:defRPr>
       </a:lvl3pPr>
-      <a:lvl4pPr marL="0" marR="0" indent="1371600" algn="ctr" defTabSz="2438400" rtl="0" latinLnBrk="0">
+      <a:lvl4pPr marL="0" marR="0" indent="0" algn="ctr" defTabSz="2438400" rtl="0" latinLnBrk="0">
         <a:lnSpc>
           <a:spcPct val="80000"/>
         </a:lnSpc>
@@ -3421,13 +3541,13 @@
             <a:srgbClr val="000000"/>
           </a:solidFill>
           <a:uFillTx/>
-          <a:latin typeface="+mn-lt"/>
-          <a:ea typeface="+mn-ea"/>
-          <a:cs typeface="+mn-cs"/>
+          <a:latin typeface="Canela Bold"/>
+          <a:ea typeface="Canela Bold"/>
+          <a:cs typeface="Canela Bold"/>
           <a:sym typeface="Canela Bold"/>
         </a:defRPr>
       </a:lvl4pPr>
-      <a:lvl5pPr marL="0" marR="0" indent="1828800" algn="ctr" defTabSz="2438400" rtl="0" latinLnBrk="0">
+      <a:lvl5pPr marL="0" marR="0" indent="0" algn="ctr" defTabSz="2438400" rtl="0" latinLnBrk="0">
         <a:lnSpc>
           <a:spcPct val="80000"/>
         </a:lnSpc>
@@ -3447,13 +3567,13 @@
             <a:srgbClr val="000000"/>
           </a:solidFill>
           <a:uFillTx/>
-          <a:latin typeface="+mn-lt"/>
-          <a:ea typeface="+mn-ea"/>
-          <a:cs typeface="+mn-cs"/>
+          <a:latin typeface="Canela Bold"/>
+          <a:ea typeface="Canela Bold"/>
+          <a:cs typeface="Canela Bold"/>
           <a:sym typeface="Canela Bold"/>
         </a:defRPr>
       </a:lvl5pPr>
-      <a:lvl6pPr marL="0" marR="0" indent="2286000" algn="ctr" defTabSz="2438400" rtl="0" latinLnBrk="0">
+      <a:lvl6pPr marL="0" marR="0" indent="0" algn="ctr" defTabSz="2438400" rtl="0" latinLnBrk="0">
         <a:lnSpc>
           <a:spcPct val="80000"/>
         </a:lnSpc>
@@ -3473,13 +3593,13 @@
             <a:srgbClr val="000000"/>
           </a:solidFill>
           <a:uFillTx/>
-          <a:latin typeface="+mn-lt"/>
-          <a:ea typeface="+mn-ea"/>
-          <a:cs typeface="+mn-cs"/>
+          <a:latin typeface="Canela Bold"/>
+          <a:ea typeface="Canela Bold"/>
+          <a:cs typeface="Canela Bold"/>
           <a:sym typeface="Canela Bold"/>
         </a:defRPr>
       </a:lvl6pPr>
-      <a:lvl7pPr marL="0" marR="0" indent="2743200" algn="ctr" defTabSz="2438400" rtl="0" latinLnBrk="0">
+      <a:lvl7pPr marL="0" marR="0" indent="0" algn="ctr" defTabSz="2438400" rtl="0" latinLnBrk="0">
         <a:lnSpc>
           <a:spcPct val="80000"/>
         </a:lnSpc>
@@ -3499,13 +3619,13 @@
             <a:srgbClr val="000000"/>
           </a:solidFill>
           <a:uFillTx/>
-          <a:latin typeface="+mn-lt"/>
-          <a:ea typeface="+mn-ea"/>
-          <a:cs typeface="+mn-cs"/>
+          <a:latin typeface="Canela Bold"/>
+          <a:ea typeface="Canela Bold"/>
+          <a:cs typeface="Canela Bold"/>
           <a:sym typeface="Canela Bold"/>
         </a:defRPr>
       </a:lvl7pPr>
-      <a:lvl8pPr marL="0" marR="0" indent="3200400" algn="ctr" defTabSz="2438400" rtl="0" latinLnBrk="0">
+      <a:lvl8pPr marL="0" marR="0" indent="0" algn="ctr" defTabSz="2438400" rtl="0" latinLnBrk="0">
         <a:lnSpc>
           <a:spcPct val="80000"/>
         </a:lnSpc>
@@ -3525,13 +3645,13 @@
             <a:srgbClr val="000000"/>
           </a:solidFill>
           <a:uFillTx/>
-          <a:latin typeface="+mn-lt"/>
-          <a:ea typeface="+mn-ea"/>
-          <a:cs typeface="+mn-cs"/>
+          <a:latin typeface="Canela Bold"/>
+          <a:ea typeface="Canela Bold"/>
+          <a:cs typeface="Canela Bold"/>
           <a:sym typeface="Canela Bold"/>
         </a:defRPr>
       </a:lvl8pPr>
-      <a:lvl9pPr marL="0" marR="0" indent="3657600" algn="ctr" defTabSz="2438400" rtl="0" latinLnBrk="0">
+      <a:lvl9pPr marL="0" marR="0" indent="0" algn="ctr" defTabSz="2438400" rtl="0" latinLnBrk="0">
         <a:lnSpc>
           <a:spcPct val="80000"/>
         </a:lnSpc>
@@ -3551,15 +3671,15 @@
             <a:srgbClr val="000000"/>
           </a:solidFill>
           <a:uFillTx/>
-          <a:latin typeface="+mn-lt"/>
-          <a:ea typeface="+mn-ea"/>
-          <a:cs typeface="+mn-cs"/>
+          <a:latin typeface="Canela Bold"/>
+          <a:ea typeface="Canela Bold"/>
+          <a:cs typeface="Canela Bold"/>
           <a:sym typeface="Canela Bold"/>
         </a:defRPr>
       </a:lvl9pPr>
     </p:titleStyle>
     <p:bodyStyle>
-      <a:lvl1pPr marL="546100" marR="0" indent="-546100" algn="l" defTabSz="2438338" rtl="0" latinLnBrk="0">
+      <a:lvl1pPr marL="546100" marR="0" indent="-546100" algn="l" defTabSz="2438337" rtl="0" latinLnBrk="0">
         <a:lnSpc>
           <a:spcPct val="90000"/>
         </a:lnSpc>
@@ -3585,7 +3705,7 @@
           <a:sym typeface="Canela Text Regular"/>
         </a:defRPr>
       </a:lvl1pPr>
-      <a:lvl2pPr marL="1092200" marR="0" indent="-546100" algn="l" defTabSz="2438338" rtl="0" latinLnBrk="0">
+      <a:lvl2pPr marL="1092200" marR="0" indent="-546100" algn="l" defTabSz="2438337" rtl="0" latinLnBrk="0">
         <a:lnSpc>
           <a:spcPct val="90000"/>
         </a:lnSpc>
@@ -3611,7 +3731,7 @@
           <a:sym typeface="Canela Text Regular"/>
         </a:defRPr>
       </a:lvl2pPr>
-      <a:lvl3pPr marL="1638300" marR="0" indent="-546100" algn="l" defTabSz="2438338" rtl="0" latinLnBrk="0">
+      <a:lvl3pPr marL="1638300" marR="0" indent="-546100" algn="l" defTabSz="2438337" rtl="0" latinLnBrk="0">
         <a:lnSpc>
           <a:spcPct val="90000"/>
         </a:lnSpc>
@@ -3637,7 +3757,7 @@
           <a:sym typeface="Canela Text Regular"/>
         </a:defRPr>
       </a:lvl3pPr>
-      <a:lvl4pPr marL="2184400" marR="0" indent="-546100" algn="l" defTabSz="2438338" rtl="0" latinLnBrk="0">
+      <a:lvl4pPr marL="2184400" marR="0" indent="-546100" algn="l" defTabSz="2438337" rtl="0" latinLnBrk="0">
         <a:lnSpc>
           <a:spcPct val="90000"/>
         </a:lnSpc>
@@ -3663,7 +3783,7 @@
           <a:sym typeface="Canela Text Regular"/>
         </a:defRPr>
       </a:lvl4pPr>
-      <a:lvl5pPr marL="2730500" marR="0" indent="-546100" algn="l" defTabSz="2438338" rtl="0" latinLnBrk="0">
+      <a:lvl5pPr marL="2730500" marR="0" indent="-546100" algn="l" defTabSz="2438337" rtl="0" latinLnBrk="0">
         <a:lnSpc>
           <a:spcPct val="90000"/>
         </a:lnSpc>
@@ -3689,7 +3809,7 @@
           <a:sym typeface="Canela Text Regular"/>
         </a:defRPr>
       </a:lvl5pPr>
-      <a:lvl6pPr marL="3276600" marR="0" indent="-546100" algn="l" defTabSz="2438338" rtl="0" latinLnBrk="0">
+      <a:lvl6pPr marL="3276600" marR="0" indent="-546100" algn="l" defTabSz="2438337" rtl="0" latinLnBrk="0">
         <a:lnSpc>
           <a:spcPct val="90000"/>
         </a:lnSpc>
@@ -3715,7 +3835,7 @@
           <a:sym typeface="Canela Text Regular"/>
         </a:defRPr>
       </a:lvl6pPr>
-      <a:lvl7pPr marL="3822700" marR="0" indent="-546100" algn="l" defTabSz="2438338" rtl="0" latinLnBrk="0">
+      <a:lvl7pPr marL="3822700" marR="0" indent="-546100" algn="l" defTabSz="2438337" rtl="0" latinLnBrk="0">
         <a:lnSpc>
           <a:spcPct val="90000"/>
         </a:lnSpc>
@@ -3741,7 +3861,7 @@
           <a:sym typeface="Canela Text Regular"/>
         </a:defRPr>
       </a:lvl7pPr>
-      <a:lvl8pPr marL="4368800" marR="0" indent="-546100" algn="l" defTabSz="2438338" rtl="0" latinLnBrk="0">
+      <a:lvl8pPr marL="4368800" marR="0" indent="-546100" algn="l" defTabSz="2438337" rtl="0" latinLnBrk="0">
         <a:lnSpc>
           <a:spcPct val="90000"/>
         </a:lnSpc>
@@ -3767,7 +3887,7 @@
           <a:sym typeface="Canela Text Regular"/>
         </a:defRPr>
       </a:lvl8pPr>
-      <a:lvl9pPr marL="4914900" marR="0" indent="-546100" algn="l" defTabSz="2438338" rtl="0" latinLnBrk="0">
+      <a:lvl9pPr marL="4914900" marR="0" indent="-546100" algn="l" defTabSz="2438337" rtl="0" latinLnBrk="0">
         <a:lnSpc>
           <a:spcPct val="90000"/>
         </a:lnSpc>
@@ -3821,7 +3941,7 @@
           <a:sym typeface="Graphik"/>
         </a:defRPr>
       </a:lvl1pPr>
-      <a:lvl2pPr marL="0" marR="0" indent="457200" algn="ctr" defTabSz="584200" rtl="0" latinLnBrk="0">
+      <a:lvl2pPr marL="0" marR="0" indent="0" algn="ctr" defTabSz="584200" rtl="0" latinLnBrk="0">
         <a:lnSpc>
           <a:spcPct val="100000"/>
         </a:lnSpc>
@@ -3847,7 +3967,7 @@
           <a:sym typeface="Graphik"/>
         </a:defRPr>
       </a:lvl2pPr>
-      <a:lvl3pPr marL="0" marR="0" indent="914400" algn="ctr" defTabSz="584200" rtl="0" latinLnBrk="0">
+      <a:lvl3pPr marL="0" marR="0" indent="0" algn="ctr" defTabSz="584200" rtl="0" latinLnBrk="0">
         <a:lnSpc>
           <a:spcPct val="100000"/>
         </a:lnSpc>
@@ -3873,7 +3993,7 @@
           <a:sym typeface="Graphik"/>
         </a:defRPr>
       </a:lvl3pPr>
-      <a:lvl4pPr marL="0" marR="0" indent="1371600" algn="ctr" defTabSz="584200" rtl="0" latinLnBrk="0">
+      <a:lvl4pPr marL="0" marR="0" indent="0" algn="ctr" defTabSz="584200" rtl="0" latinLnBrk="0">
         <a:lnSpc>
           <a:spcPct val="100000"/>
         </a:lnSpc>
@@ -3899,7 +4019,7 @@
           <a:sym typeface="Graphik"/>
         </a:defRPr>
       </a:lvl4pPr>
-      <a:lvl5pPr marL="0" marR="0" indent="1828800" algn="ctr" defTabSz="584200" rtl="0" latinLnBrk="0">
+      <a:lvl5pPr marL="0" marR="0" indent="0" algn="ctr" defTabSz="584200" rtl="0" latinLnBrk="0">
         <a:lnSpc>
           <a:spcPct val="100000"/>
         </a:lnSpc>
@@ -3925,7 +4045,7 @@
           <a:sym typeface="Graphik"/>
         </a:defRPr>
       </a:lvl5pPr>
-      <a:lvl6pPr marL="0" marR="0" indent="2286000" algn="ctr" defTabSz="584200" rtl="0" latinLnBrk="0">
+      <a:lvl6pPr marL="0" marR="0" indent="0" algn="ctr" defTabSz="584200" rtl="0" latinLnBrk="0">
         <a:lnSpc>
           <a:spcPct val="100000"/>
         </a:lnSpc>
@@ -3951,7 +4071,7 @@
           <a:sym typeface="Graphik"/>
         </a:defRPr>
       </a:lvl6pPr>
-      <a:lvl7pPr marL="0" marR="0" indent="2743200" algn="ctr" defTabSz="584200" rtl="0" latinLnBrk="0">
+      <a:lvl7pPr marL="0" marR="0" indent="0" algn="ctr" defTabSz="584200" rtl="0" latinLnBrk="0">
         <a:lnSpc>
           <a:spcPct val="100000"/>
         </a:lnSpc>
@@ -3977,7 +4097,7 @@
           <a:sym typeface="Graphik"/>
         </a:defRPr>
       </a:lvl7pPr>
-      <a:lvl8pPr marL="0" marR="0" indent="3200400" algn="ctr" defTabSz="584200" rtl="0" latinLnBrk="0">
+      <a:lvl8pPr marL="0" marR="0" indent="0" algn="ctr" defTabSz="584200" rtl="0" latinLnBrk="0">
         <a:lnSpc>
           <a:spcPct val="100000"/>
         </a:lnSpc>
@@ -4003,7 +4123,7 @@
           <a:sym typeface="Graphik"/>
         </a:defRPr>
       </a:lvl8pPr>
-      <a:lvl9pPr marL="0" marR="0" indent="3657600" algn="ctr" defTabSz="584200" rtl="0" latinLnBrk="0">
+      <a:lvl9pPr marL="0" marR="0" indent="0" algn="ctr" defTabSz="584200" rtl="0" latinLnBrk="0">
         <a:lnSpc>
           <a:spcPct val="100000"/>
         </a:lnSpc>
@@ -4056,13 +4176,78 @@
           <p:cNvPr id="151" name="Henry, Kaleem, Ivo and Lukman"/>
           <p:cNvSpPr txBox="1"/>
           <p:nvPr>
-            <p:ph type="body" idx="21"/>
-          </p:nvPr>
-        </p:nvSpPr>
-        <p:spPr>
-          <a:prstGeom prst="rect">
-            <a:avLst/>
-          </a:prstGeom>
+            <p:ph type="body" sz="quarter" idx="1"/>
+          </p:nvPr>
+        </p:nvSpPr>
+        <p:spPr>
+          <a:xfrm>
+            <a:off x="1219199" y="11986162"/>
+            <a:ext cx="21945600" cy="605792"/>
+          </a:xfrm>
+          <a:prstGeom prst="rect">
+            <a:avLst/>
+          </a:prstGeom>
+        </p:spPr>
+        <p:txBody>
+          <a:bodyPr/>
+          <a:lstStyle>
+            <a:lvl1pPr>
+              <a:defRPr spc="-100"/>
+            </a:lvl1pPr>
+          </a:lstStyle>
+          <a:p>
+            <a:pPr/>
+            <a:r>
+              <a:t>Henry, Kaleem, Ivo and Lukman</a:t>
+            </a:r>
+          </a:p>
+        </p:txBody>
+      </p:sp>
+      <p:sp>
+        <p:nvSpPr>
+          <p:cNvPr id="152" name="Food Order System"/>
+          <p:cNvSpPr txBox="1"/>
+          <p:nvPr>
+            <p:ph type="title"/>
+          </p:nvPr>
+        </p:nvSpPr>
+        <p:spPr>
+          <a:prstGeom prst="rect">
+            <a:avLst/>
+          </a:prstGeom>
+        </p:spPr>
+        <p:txBody>
+          <a:bodyPr/>
+          <a:lstStyle>
+            <a:lvl1pPr>
+              <a:defRPr spc="-200"/>
+            </a:lvl1pPr>
+          </a:lstStyle>
+          <a:p>
+            <a:pPr/>
+            <a:r>
+              <a:t>Food Order System</a:t>
+            </a:r>
+          </a:p>
+        </p:txBody>
+      </p:sp>
+      <p:sp>
+        <p:nvSpPr>
+          <p:cNvPr id="153" name="Doughnut Store"/>
+          <p:cNvSpPr txBox="1"/>
+          <p:nvPr/>
+        </p:nvSpPr>
+        <p:spPr>
+          <a:xfrm>
+            <a:off x="1219200" y="7567579"/>
+            <a:ext cx="21945600" cy="2250594"/>
+          </a:xfrm>
+          <a:prstGeom prst="rect">
+            <a:avLst/>
+          </a:prstGeom>
+          <a:ln w="12700">
+            <a:miter lim="400000"/>
+          </a:ln>
           <a:extLst>
             <a:ext uri="{C572A759-6A51-4108-AA02-DFA0A04FC94B}">
               <ma14:wrappingTextBoxFlag xmlns:ma14="http://schemas.microsoft.com/office/mac/drawingml/2011/main" val="1"/>
@@ -4070,22 +4255,112 @@
           </a:extLst>
         </p:spPr>
         <p:txBody>
+          <a:bodyPr lIns="50800" tIns="50800" rIns="50800" bIns="50800">
+            <a:normAutofit fontScale="100000" lnSpcReduction="0"/>
+          </a:bodyPr>
+          <a:lstStyle>
+            <a:lvl1pPr defTabSz="825500">
+              <a:lnSpc>
+                <a:spcPct val="100000"/>
+              </a:lnSpc>
+              <a:defRPr spc="-100" sz="6000">
+                <a:latin typeface="Graphik Semibold"/>
+                <a:ea typeface="Graphik Semibold"/>
+                <a:cs typeface="Graphik Semibold"/>
+                <a:sym typeface="Graphik Semibold"/>
+              </a:defRPr>
+            </a:lvl1pPr>
+          </a:lstStyle>
+          <a:p>
+            <a:pPr/>
+            <a:r>
+              <a:t>Doughnut Store</a:t>
+            </a:r>
+          </a:p>
+        </p:txBody>
+      </p:sp>
+    </p:spTree>
+  </p:cSld>
+  <p:clrMapOvr>
+    <a:masterClrMapping/>
+  </p:clrMapOvr>
+  <p:transition xmlns:p14="http://schemas.microsoft.com/office/powerpoint/2010/main" spd="med" advClick="1"/>
+</p:sld>
+</file>
+
+<file path=ppt/slides/slide10.xml><?xml version="1.0" encoding="utf-8"?>
+<p:sld xmlns:a="http://schemas.openxmlformats.org/drawingml/2006/main" xmlns:r="http://schemas.openxmlformats.org/officeDocument/2006/relationships" xmlns:p="http://schemas.openxmlformats.org/presentationml/2006/main" xmlns:m="http://schemas.openxmlformats.org/officeDocument/2006/math" xmlns:a14="http://schemas.microsoft.com/office/drawing/2010/main" showMasterSp="1" showMasterPhAnim="1">
+  <p:cSld>
+    <p:spTree>
+      <p:nvGrpSpPr>
+        <p:cNvPr id="1" name=""/>
+        <p:cNvGrpSpPr/>
+        <p:nvPr/>
+      </p:nvGrpSpPr>
+      <p:grpSpPr>
+        <a:xfrm>
+          <a:off x="0" y="0"/>
+          <a:ext cx="0" cy="0"/>
+          <a:chOff x="0" y="0"/>
+          <a:chExt cx="0" cy="0"/>
+        </a:xfrm>
+      </p:grpSpPr>
+      <p:sp>
+        <p:nvSpPr>
+          <p:cNvPr id="185" name="Design"/>
+          <p:cNvSpPr txBox="1"/>
+          <p:nvPr>
+            <p:ph type="title"/>
+          </p:nvPr>
+        </p:nvSpPr>
+        <p:spPr>
+          <a:prstGeom prst="rect">
+            <a:avLst/>
+          </a:prstGeom>
+        </p:spPr>
+        <p:txBody>
           <a:bodyPr/>
           <a:lstStyle/>
           <a:p>
             <a:pPr/>
             <a:r>
-              <a:t>Henry, Kaleem, Ivo and Lukman</a:t>
-            </a:r>
-          </a:p>
-        </p:txBody>
-      </p:sp>
-      <p:sp>
-        <p:nvSpPr>
-          <p:cNvPr id="152" name="Food Order System"/>
-          <p:cNvSpPr txBox="1"/>
-          <p:nvPr>
-            <p:ph type="ctrTitle"/>
+              <a:t>Design</a:t>
+            </a:r>
+          </a:p>
+        </p:txBody>
+      </p:sp>
+    </p:spTree>
+  </p:cSld>
+  <p:clrMapOvr>
+    <a:masterClrMapping/>
+  </p:clrMapOvr>
+  <p:transition xmlns:p14="http://schemas.microsoft.com/office/powerpoint/2010/main" spd="med" advClick="1"/>
+</p:sld>
+</file>
+
+<file path=ppt/slides/slide11.xml><?xml version="1.0" encoding="utf-8"?>
+<p:sld xmlns:a="http://schemas.openxmlformats.org/drawingml/2006/main" xmlns:r="http://schemas.openxmlformats.org/officeDocument/2006/relationships" xmlns:p="http://schemas.openxmlformats.org/presentationml/2006/main" xmlns:m="http://schemas.openxmlformats.org/officeDocument/2006/math" xmlns:a14="http://schemas.microsoft.com/office/drawing/2010/main" showMasterSp="1" showMasterPhAnim="1">
+  <p:cSld>
+    <p:spTree>
+      <p:nvGrpSpPr>
+        <p:cNvPr id="1" name=""/>
+        <p:cNvGrpSpPr/>
+        <p:nvPr/>
+      </p:nvGrpSpPr>
+      <p:grpSpPr>
+        <a:xfrm>
+          <a:off x="0" y="0"/>
+          <a:ext cx="0" cy="0"/>
+          <a:chOff x="0" y="0"/>
+          <a:chExt cx="0" cy="0"/>
+        </a:xfrm>
+      </p:grpSpPr>
+      <p:sp>
+        <p:nvSpPr>
+          <p:cNvPr id="187" name="Design"/>
+          <p:cNvSpPr txBox="1"/>
+          <p:nvPr>
+            <p:ph type="title"/>
           </p:nvPr>
         </p:nvSpPr>
         <p:spPr>
@@ -4099,17 +4374,17 @@
           <a:p>
             <a:pPr/>
             <a:r>
-              <a:t>Food Order System</a:t>
-            </a:r>
-          </a:p>
-        </p:txBody>
-      </p:sp>
-      <p:sp>
-        <p:nvSpPr>
-          <p:cNvPr id="153" name="Doughnut Store"/>
-          <p:cNvSpPr txBox="1"/>
-          <p:nvPr>
-            <p:ph type="subTitle" sz="quarter" idx="1"/>
+              <a:t>Design</a:t>
+            </a:r>
+          </a:p>
+        </p:txBody>
+      </p:sp>
+      <p:sp>
+        <p:nvSpPr>
+          <p:cNvPr id="188" name="Long winded Process…"/>
+          <p:cNvSpPr txBox="1"/>
+          <p:nvPr>
+            <p:ph type="body" idx="1"/>
           </p:nvPr>
         </p:nvSpPr>
         <p:spPr>
@@ -4123,7 +4398,848 @@
           <a:p>
             <a:pPr/>
             <a:r>
-              <a:t>Doughnut Store</a:t>
+              <a:t>Long winded Process </a:t>
+            </a:r>
+          </a:p>
+          <a:p>
+            <a:pPr/>
+            <a:r>
+              <a:t>Unable to see a copy of the menu when ordering</a:t>
+            </a:r>
+          </a:p>
+          <a:p>
+            <a:pPr/>
+            <a:r>
+              <a:t>No validation possible that the items were sent to the correct address</a:t>
+            </a:r>
+          </a:p>
+        </p:txBody>
+      </p:sp>
+      <p:sp>
+        <p:nvSpPr>
+          <p:cNvPr id="189" name="Slide Subtitle"/>
+          <p:cNvSpPr txBox="1"/>
+          <p:nvPr>
+            <p:ph type="body" idx="21"/>
+          </p:nvPr>
+        </p:nvSpPr>
+        <p:spPr>
+          <a:prstGeom prst="rect">
+            <a:avLst/>
+          </a:prstGeom>
+          <a:extLst>
+            <a:ext uri="{C572A759-6A51-4108-AA02-DFA0A04FC94B}">
+              <ma14:wrappingTextBoxFlag xmlns:ma14="http://schemas.microsoft.com/office/mac/drawingml/2011/main" val="1"/>
+            </a:ext>
+          </a:extLst>
+        </p:spPr>
+        <p:txBody>
+          <a:bodyPr/>
+          <a:lstStyle/>
+          <a:p>
+            <a:pPr/>
+            <a:r>
+              <a:t>Problems With Existing System</a:t>
+            </a:r>
+          </a:p>
+        </p:txBody>
+      </p:sp>
+    </p:spTree>
+  </p:cSld>
+  <p:clrMapOvr>
+    <a:masterClrMapping/>
+  </p:clrMapOvr>
+  <p:transition xmlns:p14="http://schemas.microsoft.com/office/powerpoint/2010/main" spd="med" advClick="1"/>
+</p:sld>
+</file>
+
+<file path=ppt/slides/slide12.xml><?xml version="1.0" encoding="utf-8"?>
+<p:sld xmlns:a="http://schemas.openxmlformats.org/drawingml/2006/main" xmlns:r="http://schemas.openxmlformats.org/officeDocument/2006/relationships" xmlns:p="http://schemas.openxmlformats.org/presentationml/2006/main" xmlns:m="http://schemas.openxmlformats.org/officeDocument/2006/math" xmlns:a14="http://schemas.microsoft.com/office/drawing/2010/main" showMasterSp="1" showMasterPhAnim="1">
+  <p:cSld>
+    <p:spTree>
+      <p:nvGrpSpPr>
+        <p:cNvPr id="1" name=""/>
+        <p:cNvGrpSpPr/>
+        <p:nvPr/>
+      </p:nvGrpSpPr>
+      <p:grpSpPr>
+        <a:xfrm>
+          <a:off x="0" y="0"/>
+          <a:ext cx="0" cy="0"/>
+          <a:chOff x="0" y="0"/>
+          <a:chExt cx="0" cy="0"/>
+        </a:xfrm>
+      </p:grpSpPr>
+      <p:sp>
+        <p:nvSpPr>
+          <p:cNvPr id="191" name="Design"/>
+          <p:cNvSpPr txBox="1"/>
+          <p:nvPr>
+            <p:ph type="title"/>
+          </p:nvPr>
+        </p:nvSpPr>
+        <p:spPr>
+          <a:prstGeom prst="rect">
+            <a:avLst/>
+          </a:prstGeom>
+        </p:spPr>
+        <p:txBody>
+          <a:bodyPr/>
+          <a:lstStyle/>
+          <a:p>
+            <a:pPr/>
+            <a:r>
+              <a:t>Design</a:t>
+            </a:r>
+          </a:p>
+        </p:txBody>
+      </p:sp>
+      <p:sp>
+        <p:nvSpPr>
+          <p:cNvPr id="192" name="Slide Subtitle"/>
+          <p:cNvSpPr txBox="1"/>
+          <p:nvPr>
+            <p:ph type="body" idx="21"/>
+          </p:nvPr>
+        </p:nvSpPr>
+        <p:spPr>
+          <a:prstGeom prst="rect">
+            <a:avLst/>
+          </a:prstGeom>
+          <a:extLst>
+            <a:ext uri="{C572A759-6A51-4108-AA02-DFA0A04FC94B}">
+              <ma14:wrappingTextBoxFlag xmlns:ma14="http://schemas.microsoft.com/office/mac/drawingml/2011/main" val="1"/>
+            </a:ext>
+          </a:extLst>
+        </p:spPr>
+        <p:txBody>
+          <a:bodyPr/>
+          <a:lstStyle/>
+          <a:p>
+            <a:pPr/>
+            <a:r>
+              <a:t>Flow Chart for the Ordering Process in the New System</a:t>
+            </a:r>
+          </a:p>
+        </p:txBody>
+      </p:sp>
+      <p:pic>
+        <p:nvPicPr>
+          <p:cNvPr id="193" name="Diagram, engineering drawingDescription automatically generated" descr="Diagram, engineering drawingDescription automatically generated"/>
+          <p:cNvPicPr>
+            <a:picLocks noChangeAspect="1"/>
+          </p:cNvPicPr>
+          <p:nvPr/>
+        </p:nvPicPr>
+        <p:blipFill>
+          <a:blip r:embed="rId2">
+            <a:extLst/>
+          </a:blip>
+          <a:stretch>
+            <a:fillRect/>
+          </a:stretch>
+        </p:blipFill>
+        <p:spPr>
+          <a:xfrm>
+            <a:off x="5458438" y="3501681"/>
+            <a:ext cx="13467124" cy="9578880"/>
+          </a:xfrm>
+          <a:prstGeom prst="rect">
+            <a:avLst/>
+          </a:prstGeom>
+          <a:ln w="12700">
+            <a:miter lim="400000"/>
+          </a:ln>
+        </p:spPr>
+      </p:pic>
+    </p:spTree>
+  </p:cSld>
+  <p:clrMapOvr>
+    <a:masterClrMapping/>
+  </p:clrMapOvr>
+  <p:transition xmlns:p14="http://schemas.microsoft.com/office/powerpoint/2010/main" spd="med" advClick="1"/>
+</p:sld>
+</file>
+
+<file path=ppt/slides/slide13.xml><?xml version="1.0" encoding="utf-8"?>
+<p:sld xmlns:a="http://schemas.openxmlformats.org/drawingml/2006/main" xmlns:r="http://schemas.openxmlformats.org/officeDocument/2006/relationships" xmlns:p="http://schemas.openxmlformats.org/presentationml/2006/main" xmlns:m="http://schemas.openxmlformats.org/officeDocument/2006/math" xmlns:a14="http://schemas.microsoft.com/office/drawing/2010/main" showMasterSp="1" showMasterPhAnim="1">
+  <p:cSld>
+    <p:spTree>
+      <p:nvGrpSpPr>
+        <p:cNvPr id="1" name=""/>
+        <p:cNvGrpSpPr/>
+        <p:nvPr/>
+      </p:nvGrpSpPr>
+      <p:grpSpPr>
+        <a:xfrm>
+          <a:off x="0" y="0"/>
+          <a:ext cx="0" cy="0"/>
+          <a:chOff x="0" y="0"/>
+          <a:chExt cx="0" cy="0"/>
+        </a:xfrm>
+      </p:grpSpPr>
+      <p:sp>
+        <p:nvSpPr>
+          <p:cNvPr id="195" name="Design"/>
+          <p:cNvSpPr txBox="1"/>
+          <p:nvPr>
+            <p:ph type="title"/>
+          </p:nvPr>
+        </p:nvSpPr>
+        <p:spPr>
+          <a:prstGeom prst="rect">
+            <a:avLst/>
+          </a:prstGeom>
+        </p:spPr>
+        <p:txBody>
+          <a:bodyPr/>
+          <a:lstStyle/>
+          <a:p>
+            <a:pPr/>
+            <a:r>
+              <a:t>Design</a:t>
+            </a:r>
+          </a:p>
+        </p:txBody>
+      </p:sp>
+      <p:sp>
+        <p:nvSpPr>
+          <p:cNvPr id="196" name="Slide Subtitle"/>
+          <p:cNvSpPr txBox="1"/>
+          <p:nvPr>
+            <p:ph type="body" idx="21"/>
+          </p:nvPr>
+        </p:nvSpPr>
+        <p:spPr>
+          <a:prstGeom prst="rect">
+            <a:avLst/>
+          </a:prstGeom>
+          <a:extLst>
+            <a:ext uri="{C572A759-6A51-4108-AA02-DFA0A04FC94B}">
+              <ma14:wrappingTextBoxFlag xmlns:ma14="http://schemas.microsoft.com/office/mac/drawingml/2011/main" val="1"/>
+            </a:ext>
+          </a:extLst>
+        </p:spPr>
+        <p:txBody>
+          <a:bodyPr/>
+          <a:lstStyle/>
+          <a:p>
+            <a:pPr/>
+            <a:r>
+              <a:t>ER Diagram for the New System</a:t>
+            </a:r>
+          </a:p>
+        </p:txBody>
+      </p:sp>
+      <p:pic>
+        <p:nvPicPr>
+          <p:cNvPr id="197" name="Picture 4" descr="Picture 4"/>
+          <p:cNvPicPr>
+            <a:picLocks noChangeAspect="1"/>
+          </p:cNvPicPr>
+          <p:nvPr/>
+        </p:nvPicPr>
+        <p:blipFill>
+          <a:blip r:embed="rId2">
+            <a:extLst/>
+          </a:blip>
+          <a:stretch>
+            <a:fillRect/>
+          </a:stretch>
+        </p:blipFill>
+        <p:spPr>
+          <a:xfrm>
+            <a:off x="5753171" y="3428671"/>
+            <a:ext cx="12877658" cy="9131068"/>
+          </a:xfrm>
+          <a:prstGeom prst="rect">
+            <a:avLst/>
+          </a:prstGeom>
+          <a:ln w="12700">
+            <a:miter lim="400000"/>
+          </a:ln>
+        </p:spPr>
+      </p:pic>
+    </p:spTree>
+  </p:cSld>
+  <p:clrMapOvr>
+    <a:masterClrMapping/>
+  </p:clrMapOvr>
+  <p:transition xmlns:p14="http://schemas.microsoft.com/office/powerpoint/2010/main" spd="med" advClick="1"/>
+</p:sld>
+</file>
+
+<file path=ppt/slides/slide14.xml><?xml version="1.0" encoding="utf-8"?>
+<p:sld xmlns:a="http://schemas.openxmlformats.org/drawingml/2006/main" xmlns:r="http://schemas.openxmlformats.org/officeDocument/2006/relationships" xmlns:p="http://schemas.openxmlformats.org/presentationml/2006/main" xmlns:m="http://schemas.openxmlformats.org/officeDocument/2006/math" xmlns:a14="http://schemas.microsoft.com/office/drawing/2010/main" showMasterSp="1" showMasterPhAnim="1">
+  <p:cSld>
+    <p:spTree>
+      <p:nvGrpSpPr>
+        <p:cNvPr id="1" name=""/>
+        <p:cNvGrpSpPr/>
+        <p:nvPr/>
+      </p:nvGrpSpPr>
+      <p:grpSpPr>
+        <a:xfrm>
+          <a:off x="0" y="0"/>
+          <a:ext cx="0" cy="0"/>
+          <a:chOff x="0" y="0"/>
+          <a:chExt cx="0" cy="0"/>
+        </a:xfrm>
+      </p:grpSpPr>
+      <p:sp>
+        <p:nvSpPr>
+          <p:cNvPr id="199" name="User Acceptance Criteria"/>
+          <p:cNvSpPr txBox="1"/>
+          <p:nvPr>
+            <p:ph type="title"/>
+          </p:nvPr>
+        </p:nvSpPr>
+        <p:spPr>
+          <a:prstGeom prst="rect">
+            <a:avLst/>
+          </a:prstGeom>
+        </p:spPr>
+        <p:txBody>
+          <a:bodyPr/>
+          <a:lstStyle/>
+          <a:p>
+            <a:pPr/>
+            <a:r>
+              <a:t>User Acceptance Criteria</a:t>
+            </a:r>
+          </a:p>
+        </p:txBody>
+      </p:sp>
+    </p:spTree>
+  </p:cSld>
+  <p:clrMapOvr>
+    <a:masterClrMapping/>
+  </p:clrMapOvr>
+  <p:transition xmlns:p14="http://schemas.microsoft.com/office/powerpoint/2010/main" spd="med" advClick="1"/>
+</p:sld>
+</file>
+
+<file path=ppt/slides/slide15.xml><?xml version="1.0" encoding="utf-8"?>
+<p:sld xmlns:a="http://schemas.openxmlformats.org/drawingml/2006/main" xmlns:r="http://schemas.openxmlformats.org/officeDocument/2006/relationships" xmlns:p="http://schemas.openxmlformats.org/presentationml/2006/main" xmlns:m="http://schemas.openxmlformats.org/officeDocument/2006/math" xmlns:a14="http://schemas.microsoft.com/office/drawing/2010/main" showMasterSp="1" showMasterPhAnim="1">
+  <p:cSld>
+    <p:spTree>
+      <p:nvGrpSpPr>
+        <p:cNvPr id="1" name=""/>
+        <p:cNvGrpSpPr/>
+        <p:nvPr/>
+      </p:nvGrpSpPr>
+      <p:grpSpPr>
+        <a:xfrm>
+          <a:off x="0" y="0"/>
+          <a:ext cx="0" cy="0"/>
+          <a:chOff x="0" y="0"/>
+          <a:chExt cx="0" cy="0"/>
+        </a:xfrm>
+      </p:grpSpPr>
+      <p:sp>
+        <p:nvSpPr>
+          <p:cNvPr id="201" name="Team Working Strategy"/>
+          <p:cNvSpPr txBox="1"/>
+          <p:nvPr>
+            <p:ph type="title"/>
+          </p:nvPr>
+        </p:nvSpPr>
+        <p:spPr>
+          <a:prstGeom prst="rect">
+            <a:avLst/>
+          </a:prstGeom>
+        </p:spPr>
+        <p:txBody>
+          <a:bodyPr/>
+          <a:lstStyle/>
+          <a:p>
+            <a:pPr/>
+            <a:r>
+              <a:t>Team Working Strategy</a:t>
+            </a:r>
+          </a:p>
+        </p:txBody>
+      </p:sp>
+    </p:spTree>
+  </p:cSld>
+  <p:clrMapOvr>
+    <a:masterClrMapping/>
+  </p:clrMapOvr>
+  <p:transition xmlns:p14="http://schemas.microsoft.com/office/powerpoint/2010/main" spd="med" advClick="1"/>
+</p:sld>
+</file>
+
+<file path=ppt/slides/slide16.xml><?xml version="1.0" encoding="utf-8"?>
+<p:sld xmlns:a="http://schemas.openxmlformats.org/drawingml/2006/main" xmlns:r="http://schemas.openxmlformats.org/officeDocument/2006/relationships" xmlns:p="http://schemas.openxmlformats.org/presentationml/2006/main" xmlns:m="http://schemas.openxmlformats.org/officeDocument/2006/math" xmlns:a14="http://schemas.microsoft.com/office/drawing/2010/main" showMasterSp="1" showMasterPhAnim="1">
+  <p:cSld>
+    <p:spTree>
+      <p:nvGrpSpPr>
+        <p:cNvPr id="1" name=""/>
+        <p:cNvGrpSpPr/>
+        <p:nvPr/>
+      </p:nvGrpSpPr>
+      <p:grpSpPr>
+        <a:xfrm>
+          <a:off x="0" y="0"/>
+          <a:ext cx="0" cy="0"/>
+          <a:chOff x="0" y="0"/>
+          <a:chExt cx="0" cy="0"/>
+        </a:xfrm>
+      </p:grpSpPr>
+      <p:sp>
+        <p:nvSpPr>
+          <p:cNvPr id="203" name="Team Working Strategy"/>
+          <p:cNvSpPr txBox="1"/>
+          <p:nvPr>
+            <p:ph type="title"/>
+          </p:nvPr>
+        </p:nvSpPr>
+        <p:spPr>
+          <a:prstGeom prst="rect">
+            <a:avLst/>
+          </a:prstGeom>
+        </p:spPr>
+        <p:txBody>
+          <a:bodyPr/>
+          <a:lstStyle/>
+          <a:p>
+            <a:pPr/>
+            <a:r>
+              <a:t>Team Working Strategy</a:t>
+            </a:r>
+          </a:p>
+        </p:txBody>
+      </p:sp>
+      <p:sp>
+        <p:nvSpPr>
+          <p:cNvPr id="204" name="One (sometimes more) needs to make the calls…"/>
+          <p:cNvSpPr txBox="1"/>
+          <p:nvPr>
+            <p:ph type="body" idx="1"/>
+          </p:nvPr>
+        </p:nvSpPr>
+        <p:spPr>
+          <a:prstGeom prst="rect">
+            <a:avLst/>
+          </a:prstGeom>
+        </p:spPr>
+        <p:txBody>
+          <a:bodyPr/>
+          <a:lstStyle/>
+          <a:p>
+            <a:pPr/>
+            <a:r>
+              <a:t>One (sometimes more) needs to make the calls</a:t>
+            </a:r>
+          </a:p>
+          <a:p>
+            <a:pPr/>
+            <a:r>
+              <a:t>To split the weight of the project</a:t>
+            </a:r>
+          </a:p>
+          <a:p>
+            <a:pPr/>
+            <a:r>
+              <a:t>Coach each team member</a:t>
+            </a:r>
+          </a:p>
+          <a:p>
+            <a:pPr/>
+            <a:r>
+              <a:t>Henry</a:t>
+            </a:r>
+          </a:p>
+        </p:txBody>
+      </p:sp>
+      <p:sp>
+        <p:nvSpPr>
+          <p:cNvPr id="205" name="Slide Subtitle"/>
+          <p:cNvSpPr txBox="1"/>
+          <p:nvPr>
+            <p:ph type="body" idx="21"/>
+          </p:nvPr>
+        </p:nvSpPr>
+        <p:spPr>
+          <a:prstGeom prst="rect">
+            <a:avLst/>
+          </a:prstGeom>
+          <a:extLst>
+            <a:ext uri="{C572A759-6A51-4108-AA02-DFA0A04FC94B}">
+              <ma14:wrappingTextBoxFlag xmlns:ma14="http://schemas.microsoft.com/office/mac/drawingml/2011/main" val="1"/>
+            </a:ext>
+          </a:extLst>
+        </p:spPr>
+        <p:txBody>
+          <a:bodyPr/>
+          <a:lstStyle/>
+          <a:p>
+            <a:pPr/>
+            <a:r>
+              <a:t>Team Leader</a:t>
+            </a:r>
+          </a:p>
+        </p:txBody>
+      </p:sp>
+    </p:spTree>
+  </p:cSld>
+  <p:clrMapOvr>
+    <a:masterClrMapping/>
+  </p:clrMapOvr>
+  <p:transition xmlns:p14="http://schemas.microsoft.com/office/powerpoint/2010/main" spd="med" advClick="1"/>
+</p:sld>
+</file>
+
+<file path=ppt/slides/slide17.xml><?xml version="1.0" encoding="utf-8"?>
+<p:sld xmlns:a="http://schemas.openxmlformats.org/drawingml/2006/main" xmlns:r="http://schemas.openxmlformats.org/officeDocument/2006/relationships" xmlns:p="http://schemas.openxmlformats.org/presentationml/2006/main" xmlns:m="http://schemas.openxmlformats.org/officeDocument/2006/math" xmlns:a14="http://schemas.microsoft.com/office/drawing/2010/main" showMasterSp="1" showMasterPhAnim="1">
+  <p:cSld>
+    <p:spTree>
+      <p:nvGrpSpPr>
+        <p:cNvPr id="1" name=""/>
+        <p:cNvGrpSpPr/>
+        <p:nvPr/>
+      </p:nvGrpSpPr>
+      <p:grpSpPr>
+        <a:xfrm>
+          <a:off x="0" y="0"/>
+          <a:ext cx="0" cy="0"/>
+          <a:chOff x="0" y="0"/>
+          <a:chExt cx="0" cy="0"/>
+        </a:xfrm>
+      </p:grpSpPr>
+      <p:sp>
+        <p:nvSpPr>
+          <p:cNvPr id="207" name="Team Working Strategy"/>
+          <p:cNvSpPr txBox="1"/>
+          <p:nvPr>
+            <p:ph type="title"/>
+          </p:nvPr>
+        </p:nvSpPr>
+        <p:spPr>
+          <a:prstGeom prst="rect">
+            <a:avLst/>
+          </a:prstGeom>
+        </p:spPr>
+        <p:txBody>
+          <a:bodyPr/>
+          <a:lstStyle/>
+          <a:p>
+            <a:pPr/>
+            <a:r>
+              <a:t>Team Working Strategy</a:t>
+            </a:r>
+          </a:p>
+        </p:txBody>
+      </p:sp>
+      <p:sp>
+        <p:nvSpPr>
+          <p:cNvPr id="208" name="Requirements Analysis…"/>
+          <p:cNvSpPr txBox="1"/>
+          <p:nvPr>
+            <p:ph type="body" idx="1"/>
+          </p:nvPr>
+        </p:nvSpPr>
+        <p:spPr>
+          <a:prstGeom prst="rect">
+            <a:avLst/>
+          </a:prstGeom>
+        </p:spPr>
+        <p:txBody>
+          <a:bodyPr/>
+          <a:lstStyle/>
+          <a:p>
+            <a:pPr/>
+            <a:r>
+              <a:t>Requirements Analysis</a:t>
+            </a:r>
+          </a:p>
+          <a:p>
+            <a:pPr/>
+            <a:r>
+              <a:t>Design</a:t>
+            </a:r>
+          </a:p>
+          <a:p>
+            <a:pPr/>
+            <a:r>
+              <a:t>User Acceptance</a:t>
+            </a:r>
+          </a:p>
+          <a:p>
+            <a:pPr/>
+            <a:r>
+              <a:t>Team Working Strategy </a:t>
+            </a:r>
+          </a:p>
+          <a:p>
+            <a:pPr/>
+            <a:r>
+              <a:t>Even split without disagreements</a:t>
+            </a:r>
+          </a:p>
+        </p:txBody>
+      </p:sp>
+      <p:sp>
+        <p:nvSpPr>
+          <p:cNvPr id="209" name="Slide Subtitle"/>
+          <p:cNvSpPr txBox="1"/>
+          <p:nvPr>
+            <p:ph type="body" idx="21"/>
+          </p:nvPr>
+        </p:nvSpPr>
+        <p:spPr>
+          <a:prstGeom prst="rect">
+            <a:avLst/>
+          </a:prstGeom>
+          <a:extLst>
+            <a:ext uri="{C572A759-6A51-4108-AA02-DFA0A04FC94B}">
+              <ma14:wrappingTextBoxFlag xmlns:ma14="http://schemas.microsoft.com/office/mac/drawingml/2011/main" val="1"/>
+            </a:ext>
+          </a:extLst>
+        </p:spPr>
+        <p:txBody>
+          <a:bodyPr/>
+          <a:lstStyle/>
+          <a:p>
+            <a:pPr/>
+            <a:r>
+              <a:t>Assigning Roles</a:t>
+            </a:r>
+          </a:p>
+        </p:txBody>
+      </p:sp>
+    </p:spTree>
+  </p:cSld>
+  <p:clrMapOvr>
+    <a:masterClrMapping/>
+  </p:clrMapOvr>
+  <p:transition xmlns:p14="http://schemas.microsoft.com/office/powerpoint/2010/main" spd="med" advClick="1"/>
+</p:sld>
+</file>
+
+<file path=ppt/slides/slide18.xml><?xml version="1.0" encoding="utf-8"?>
+<p:sld xmlns:a="http://schemas.openxmlformats.org/drawingml/2006/main" xmlns:r="http://schemas.openxmlformats.org/officeDocument/2006/relationships" xmlns:p="http://schemas.openxmlformats.org/presentationml/2006/main" xmlns:m="http://schemas.openxmlformats.org/officeDocument/2006/math" xmlns:a14="http://schemas.microsoft.com/office/drawing/2010/main" showMasterSp="1" showMasterPhAnim="1">
+  <p:cSld>
+    <p:spTree>
+      <p:nvGrpSpPr>
+        <p:cNvPr id="1" name=""/>
+        <p:cNvGrpSpPr/>
+        <p:nvPr/>
+      </p:nvGrpSpPr>
+      <p:grpSpPr>
+        <a:xfrm>
+          <a:off x="0" y="0"/>
+          <a:ext cx="0" cy="0"/>
+          <a:chOff x="0" y="0"/>
+          <a:chExt cx="0" cy="0"/>
+        </a:xfrm>
+      </p:grpSpPr>
+      <p:sp>
+        <p:nvSpPr>
+          <p:cNvPr id="211" name="Team Working Strategy"/>
+          <p:cNvSpPr txBox="1"/>
+          <p:nvPr>
+            <p:ph type="title"/>
+          </p:nvPr>
+        </p:nvSpPr>
+        <p:spPr>
+          <a:prstGeom prst="rect">
+            <a:avLst/>
+          </a:prstGeom>
+        </p:spPr>
+        <p:txBody>
+          <a:bodyPr/>
+          <a:lstStyle/>
+          <a:p>
+            <a:pPr lvl="1"/>
+            <a:r>
+              <a:t>Team Working Strategy</a:t>
+            </a:r>
+          </a:p>
+        </p:txBody>
+      </p:sp>
+      <p:sp>
+        <p:nvSpPr>
+          <p:cNvPr id="212" name="Teams for calls some shared files and notes…"/>
+          <p:cNvSpPr txBox="1"/>
+          <p:nvPr>
+            <p:ph type="body" idx="1"/>
+          </p:nvPr>
+        </p:nvSpPr>
+        <p:spPr>
+          <a:prstGeom prst="rect">
+            <a:avLst/>
+          </a:prstGeom>
+        </p:spPr>
+        <p:txBody>
+          <a:bodyPr/>
+          <a:lstStyle/>
+          <a:p>
+            <a:pPr/>
+            <a:r>
+              <a:t>Teams for calls some shared files and notes</a:t>
+            </a:r>
+          </a:p>
+          <a:p>
+            <a:pPr/>
+            <a:r>
+              <a:t>Scheduled group call</a:t>
+            </a:r>
+          </a:p>
+          <a:p>
+            <a:pPr/>
+            <a:r>
+              <a:t>No face to face currently</a:t>
+            </a:r>
+          </a:p>
+          <a:p>
+            <a:pPr/>
+            <a:r>
+              <a:t>Forced to work remotely</a:t>
+            </a:r>
+          </a:p>
+        </p:txBody>
+      </p:sp>
+      <p:sp>
+        <p:nvSpPr>
+          <p:cNvPr id="213" name="Slide Subtitle"/>
+          <p:cNvSpPr txBox="1"/>
+          <p:nvPr>
+            <p:ph type="body" idx="21"/>
+          </p:nvPr>
+        </p:nvSpPr>
+        <p:spPr>
+          <a:prstGeom prst="rect">
+            <a:avLst/>
+          </a:prstGeom>
+          <a:extLst>
+            <a:ext uri="{C572A759-6A51-4108-AA02-DFA0A04FC94B}">
+              <ma14:wrappingTextBoxFlag xmlns:ma14="http://schemas.microsoft.com/office/mac/drawingml/2011/main" val="1"/>
+            </a:ext>
+          </a:extLst>
+        </p:spPr>
+        <p:txBody>
+          <a:bodyPr/>
+          <a:lstStyle/>
+          <a:p>
+            <a:pPr/>
+            <a:r>
+              <a:t>Communication</a:t>
+            </a:r>
+          </a:p>
+        </p:txBody>
+      </p:sp>
+    </p:spTree>
+  </p:cSld>
+  <p:clrMapOvr>
+    <a:masterClrMapping/>
+  </p:clrMapOvr>
+  <p:transition xmlns:p14="http://schemas.microsoft.com/office/powerpoint/2010/main" spd="med" advClick="1"/>
+</p:sld>
+</file>
+
+<file path=ppt/slides/slide19.xml><?xml version="1.0" encoding="utf-8"?>
+<p:sld xmlns:a="http://schemas.openxmlformats.org/drawingml/2006/main" xmlns:r="http://schemas.openxmlformats.org/officeDocument/2006/relationships" xmlns:p="http://schemas.openxmlformats.org/presentationml/2006/main" xmlns:m="http://schemas.openxmlformats.org/officeDocument/2006/math" xmlns:a14="http://schemas.microsoft.com/office/drawing/2010/main" showMasterSp="1" showMasterPhAnim="1">
+  <p:cSld>
+    <p:spTree>
+      <p:nvGrpSpPr>
+        <p:cNvPr id="1" name=""/>
+        <p:cNvGrpSpPr/>
+        <p:nvPr/>
+      </p:nvGrpSpPr>
+      <p:grpSpPr>
+        <a:xfrm>
+          <a:off x="0" y="0"/>
+          <a:ext cx="0" cy="0"/>
+          <a:chOff x="0" y="0"/>
+          <a:chExt cx="0" cy="0"/>
+        </a:xfrm>
+      </p:grpSpPr>
+      <p:sp>
+        <p:nvSpPr>
+          <p:cNvPr id="215" name="Team Working Strategy"/>
+          <p:cNvSpPr txBox="1"/>
+          <p:nvPr>
+            <p:ph type="title"/>
+          </p:nvPr>
+        </p:nvSpPr>
+        <p:spPr>
+          <a:prstGeom prst="rect">
+            <a:avLst/>
+          </a:prstGeom>
+        </p:spPr>
+        <p:txBody>
+          <a:bodyPr/>
+          <a:lstStyle/>
+          <a:p>
+            <a:pPr/>
+            <a:r>
+              <a:t>Team Working Strategy</a:t>
+            </a:r>
+          </a:p>
+        </p:txBody>
+      </p:sp>
+      <p:sp>
+        <p:nvSpPr>
+          <p:cNvPr id="216" name="Github…"/>
+          <p:cNvSpPr txBox="1"/>
+          <p:nvPr>
+            <p:ph type="body" idx="1"/>
+          </p:nvPr>
+        </p:nvSpPr>
+        <p:spPr>
+          <a:prstGeom prst="rect">
+            <a:avLst/>
+          </a:prstGeom>
+        </p:spPr>
+        <p:txBody>
+          <a:bodyPr/>
+          <a:lstStyle/>
+          <a:p>
+            <a:pPr/>
+            <a:r>
+              <a:t>Github </a:t>
+            </a:r>
+          </a:p>
+          <a:p>
+            <a:pPr/>
+            <a:r>
+              <a:t>Sharing the file we are working in</a:t>
+            </a:r>
+          </a:p>
+          <a:p>
+            <a:pPr/>
+            <a:r>
+              <a:t>Share work part at a time</a:t>
+            </a:r>
+          </a:p>
+        </p:txBody>
+      </p:sp>
+      <p:sp>
+        <p:nvSpPr>
+          <p:cNvPr id="217" name="Slide Subtitle"/>
+          <p:cNvSpPr txBox="1"/>
+          <p:nvPr>
+            <p:ph type="body" idx="21"/>
+          </p:nvPr>
+        </p:nvSpPr>
+        <p:spPr>
+          <a:prstGeom prst="rect">
+            <a:avLst/>
+          </a:prstGeom>
+          <a:extLst>
+            <a:ext uri="{C572A759-6A51-4108-AA02-DFA0A04FC94B}">
+              <ma14:wrappingTextBoxFlag xmlns:ma14="http://schemas.microsoft.com/office/mac/drawingml/2011/main" val="1"/>
+            </a:ext>
+          </a:extLst>
+        </p:spPr>
+        <p:txBody>
+          <a:bodyPr/>
+          <a:lstStyle/>
+          <a:p>
+            <a:pPr/>
+            <a:r>
+              <a:t>Working Together</a:t>
             </a:r>
           </a:p>
         </p:txBody>
@@ -4169,7 +5285,11 @@
         </p:spPr>
         <p:txBody>
           <a:bodyPr/>
-          <a:lstStyle/>
+          <a:lstStyle>
+            <a:lvl1pPr>
+              <a:defRPr spc="-100"/>
+            </a:lvl1pPr>
+          </a:lstStyle>
           <a:p>
             <a:pPr/>
             <a:r>
@@ -4187,6 +5307,10 @@
           </p:nvPr>
         </p:nvSpPr>
         <p:spPr>
+          <a:xfrm>
+            <a:off x="1219199" y="4013200"/>
+            <a:ext cx="21948578" cy="8483600"/>
+          </a:xfrm>
           <a:prstGeom prst="rect">
             <a:avLst/>
           </a:prstGeom>
@@ -4284,6 +5408,10 @@
           </p:nvPr>
         </p:nvSpPr>
         <p:spPr>
+          <a:xfrm>
+            <a:off x="1219200" y="3242270"/>
+            <a:ext cx="21945600" cy="6604001"/>
+          </a:xfrm>
           <a:prstGeom prst="rect">
             <a:avLst/>
           </a:prstGeom>
@@ -4340,7 +5468,11 @@
         </p:spPr>
         <p:txBody>
           <a:bodyPr/>
-          <a:lstStyle/>
+          <a:lstStyle>
+            <a:lvl1pPr>
+              <a:defRPr spc="-100"/>
+            </a:lvl1pPr>
+          </a:lstStyle>
           <a:p>
             <a:pPr/>
             <a:r>
@@ -4358,6 +5490,10 @@
           </p:nvPr>
         </p:nvSpPr>
         <p:spPr>
+          <a:xfrm>
+            <a:off x="1219199" y="4013200"/>
+            <a:ext cx="21948578" cy="8483600"/>
+          </a:xfrm>
           <a:prstGeom prst="rect">
             <a:avLst/>
           </a:prstGeom>
@@ -4455,7 +5591,11 @@
         </p:spPr>
         <p:txBody>
           <a:bodyPr/>
-          <a:lstStyle/>
+          <a:lstStyle>
+            <a:lvl1pPr>
+              <a:defRPr spc="-100"/>
+            </a:lvl1pPr>
+          </a:lstStyle>
           <a:p>
             <a:pPr/>
             <a:r>
@@ -4473,6 +5613,10 @@
           </p:nvPr>
         </p:nvSpPr>
         <p:spPr>
+          <a:xfrm>
+            <a:off x="1219199" y="4013200"/>
+            <a:ext cx="21948578" cy="8483600"/>
+          </a:xfrm>
           <a:prstGeom prst="rect">
             <a:avLst/>
           </a:prstGeom>
@@ -4576,7 +5720,11 @@
         </p:spPr>
         <p:txBody>
           <a:bodyPr/>
-          <a:lstStyle/>
+          <a:lstStyle>
+            <a:lvl1pPr>
+              <a:defRPr spc="-100"/>
+            </a:lvl1pPr>
+          </a:lstStyle>
           <a:p>
             <a:pPr/>
             <a:r>
@@ -4594,6 +5742,10 @@
           </p:nvPr>
         </p:nvSpPr>
         <p:spPr>
+          <a:xfrm>
+            <a:off x="1219199" y="4013200"/>
+            <a:ext cx="21948578" cy="8483600"/>
+          </a:xfrm>
           <a:prstGeom prst="rect">
             <a:avLst/>
           </a:prstGeom>
@@ -4606,7 +5758,7 @@
               <a:spcBef>
                 <a:spcPts val="2100"/>
               </a:spcBef>
-              <a:defRPr sz="3916"/>
+              <a:defRPr sz="3900"/>
             </a:pPr>
             <a:r>
               <a:t>Product </a:t>
@@ -4617,7 +5769,7 @@
               <a:spcBef>
                 <a:spcPts val="2100"/>
               </a:spcBef>
-              <a:defRPr sz="3916"/>
+              <a:defRPr sz="3900"/>
             </a:pPr>
             <a:r>
               <a:t>Speed</a:t>
@@ -4628,7 +5780,7 @@
               <a:spcBef>
                 <a:spcPts val="2100"/>
               </a:spcBef>
-              <a:defRPr sz="3916"/>
+              <a:defRPr sz="3900"/>
             </a:pPr>
             <a:r>
               <a:t>Navigable</a:t>
@@ -4639,7 +5791,7 @@
               <a:spcBef>
                 <a:spcPts val="2100"/>
               </a:spcBef>
-              <a:defRPr sz="3916"/>
+              <a:defRPr sz="3900"/>
             </a:pPr>
             <a:r>
               <a:t>Functional on both desktop and mobile</a:t>
@@ -4650,7 +5802,7 @@
               <a:spcBef>
                 <a:spcPts val="2100"/>
               </a:spcBef>
-              <a:defRPr sz="3916"/>
+              <a:defRPr sz="3900"/>
             </a:pPr>
             <a:r>
               <a:t>Organisational</a:t>
@@ -4661,7 +5813,7 @@
               <a:spcBef>
                 <a:spcPts val="2100"/>
               </a:spcBef>
-              <a:defRPr sz="3916"/>
+              <a:defRPr sz="3900"/>
             </a:pPr>
             <a:r>
               <a:t>Companies typeface and colour scheme</a:t>
@@ -4672,7 +5824,7 @@
               <a:spcBef>
                 <a:spcPts val="2100"/>
               </a:spcBef>
-              <a:defRPr sz="3916"/>
+              <a:defRPr sz="3900"/>
             </a:pPr>
             <a:r>
               <a:t>Precept of purchase</a:t>
@@ -4683,7 +5835,7 @@
               <a:spcBef>
                 <a:spcPts val="2100"/>
               </a:spcBef>
-              <a:defRPr sz="3916"/>
+              <a:defRPr sz="3900"/>
             </a:pPr>
             <a:r>
               <a:t>External</a:t>
@@ -4694,7 +5846,7 @@
               <a:spcBef>
                 <a:spcPts val="2100"/>
               </a:spcBef>
-              <a:defRPr sz="3916"/>
+              <a:defRPr sz="3900"/>
             </a:pPr>
             <a:r>
               <a:t>GDPR</a:t>
@@ -4772,7 +5924,11 @@
         </p:spPr>
         <p:txBody>
           <a:bodyPr/>
-          <a:lstStyle/>
+          <a:lstStyle>
+            <a:lvl1pPr>
+              <a:defRPr spc="-100"/>
+            </a:lvl1pPr>
+          </a:lstStyle>
           <a:p>
             <a:pPr/>
             <a:r>
@@ -4790,6 +5946,10 @@
           </p:nvPr>
         </p:nvSpPr>
         <p:spPr>
+          <a:xfrm>
+            <a:off x="1219199" y="4013200"/>
+            <a:ext cx="21948578" cy="8483600"/>
+          </a:xfrm>
           <a:prstGeom prst="rect">
             <a:avLst/>
           </a:prstGeom>
@@ -4893,7 +6053,11 @@
         </p:spPr>
         <p:txBody>
           <a:bodyPr/>
-          <a:lstStyle/>
+          <a:lstStyle>
+            <a:lvl1pPr>
+              <a:defRPr spc="-100"/>
+            </a:lvl1pPr>
+          </a:lstStyle>
           <a:p>
             <a:pPr/>
             <a:r>
@@ -4911,6 +6075,10 @@
           </p:nvPr>
         </p:nvSpPr>
         <p:spPr>
+          <a:xfrm>
+            <a:off x="1219199" y="4013200"/>
+            <a:ext cx="21948578" cy="8483600"/>
+          </a:xfrm>
           <a:prstGeom prst="rect">
             <a:avLst/>
           </a:prstGeom>
@@ -5020,7 +6188,11 @@
         </p:spPr>
         <p:txBody>
           <a:bodyPr/>
-          <a:lstStyle/>
+          <a:lstStyle>
+            <a:lvl1pPr>
+              <a:defRPr spc="-100"/>
+            </a:lvl1pPr>
+          </a:lstStyle>
           <a:p>
             <a:pPr/>
             <a:r>
@@ -5038,6 +6210,10 @@
           </p:nvPr>
         </p:nvSpPr>
         <p:spPr>
+          <a:xfrm>
+            <a:off x="1219199" y="4013200"/>
+            <a:ext cx="21948578" cy="8483600"/>
+          </a:xfrm>
           <a:prstGeom prst="rect">
             <a:avLst/>
           </a:prstGeom>
@@ -5050,7 +6226,7 @@
               <a:spcBef>
                 <a:spcPts val="1900"/>
               </a:spcBef>
-              <a:defRPr sz="3520"/>
+              <a:defRPr sz="3500"/>
             </a:pPr>
             <a:r>
               <a:t>Customer</a:t>
@@ -5061,7 +6237,7 @@
               <a:spcBef>
                 <a:spcPts val="1900"/>
               </a:spcBef>
-              <a:defRPr sz="3520"/>
+              <a:defRPr sz="3500"/>
             </a:pPr>
             <a:r>
               <a:t>Order Food</a:t>
@@ -5072,7 +6248,7 @@
               <a:spcBef>
                 <a:spcPts val="1900"/>
               </a:spcBef>
-              <a:defRPr sz="3520"/>
+              <a:defRPr sz="3500"/>
             </a:pPr>
             <a:r>
               <a:t>Chef</a:t>
@@ -5083,7 +6259,7 @@
               <a:spcBef>
                 <a:spcPts val="1900"/>
               </a:spcBef>
-              <a:defRPr sz="3520"/>
+              <a:defRPr sz="3500"/>
             </a:pPr>
             <a:r>
               <a:t>View Order</a:t>
@@ -5094,7 +6270,7 @@
               <a:spcBef>
                 <a:spcPts val="1900"/>
               </a:spcBef>
-              <a:defRPr sz="3520"/>
+              <a:defRPr sz="3500"/>
             </a:pPr>
             <a:r>
               <a:t>Driver/Checkout Staff</a:t>
@@ -5105,7 +6281,7 @@
               <a:spcBef>
                 <a:spcPts val="1900"/>
               </a:spcBef>
-              <a:defRPr sz="3520"/>
+              <a:defRPr sz="3500"/>
             </a:pPr>
             <a:r>
               <a:t>Complete Order</a:t>
@@ -5116,7 +6292,7 @@
               <a:spcBef>
                 <a:spcPts val="1900"/>
               </a:spcBef>
-              <a:defRPr sz="3520"/>
+              <a:defRPr sz="3500"/>
             </a:pPr>
             <a:r>
               <a:t>Admin</a:t>
@@ -5127,7 +6303,7 @@
               <a:spcBef>
                 <a:spcPts val="1900"/>
               </a:spcBef>
-              <a:defRPr sz="3520"/>
+              <a:defRPr sz="3500"/>
             </a:pPr>
             <a:r>
               <a:t>Amend Item</a:t>
@@ -5138,7 +6314,7 @@
               <a:spcBef>
                 <a:spcPts val="1900"/>
               </a:spcBef>
-              <a:defRPr sz="3520"/>
+              <a:defRPr sz="3500"/>
             </a:pPr>
             <a:r>
               <a:t>Add item</a:t>
@@ -5149,7 +6325,7 @@
               <a:spcBef>
                 <a:spcPts val="1900"/>
               </a:spcBef>
-              <a:defRPr sz="3520"/>
+              <a:defRPr sz="3500"/>
             </a:pPr>
             <a:r>
               <a:t>Remove Item</a:t>
@@ -5206,10 +6382,10 @@
         <a:srgbClr val="FFFFFF"/>
       </a:lt1>
       <a:dk2>
-        <a:srgbClr val="5E5E5E"/>
+        <a:srgbClr val="A7A7A7"/>
       </a:dk2>
       <a:lt2>
-        <a:srgbClr val="D5D5D5"/>
+        <a:srgbClr val="535353"/>
       </a:lt2>
       <a:accent1>
         <a:srgbClr val="3E74D1"/>
@@ -5238,14 +6414,14 @@
     </a:clrScheme>
     <a:fontScheme name="23_ClassicWhite">
       <a:majorFont>
-        <a:latin typeface="Canela Bold"/>
-        <a:ea typeface="Canela Bold"/>
-        <a:cs typeface="Canela Bold"/>
+        <a:latin typeface="Helvetica"/>
+        <a:ea typeface="Helvetica"/>
+        <a:cs typeface="Helvetica"/>
       </a:majorFont>
       <a:minorFont>
-        <a:latin typeface="Canela Bold"/>
-        <a:ea typeface="Canela Bold"/>
-        <a:cs typeface="Canela Bold"/>
+        <a:latin typeface="Helvetica Neue"/>
+        <a:ea typeface="Helvetica Neue"/>
+        <a:cs typeface="Helvetica Neue"/>
       </a:minorFont>
     </a:fontScheme>
     <a:fmtScheme name="23_ClassicWhite">
@@ -5386,11 +6562,14 @@
     <a:spDef>
       <a:spPr>
         <a:solidFill>
-          <a:srgbClr val="000000"/>
+          <a:srgbClr val="FFFFFF"/>
         </a:solidFill>
-        <a:ln w="12700" cap="flat">
-          <a:noFill/>
-          <a:miter lim="400000"/>
+        <a:ln w="25400" cap="flat">
+          <a:solidFill>
+            <a:schemeClr val="accent1"/>
+          </a:solidFill>
+          <a:prstDash val="solid"/>
+          <a:round/>
         </a:ln>
         <a:effectLst/>
         <a:sp3d/>
@@ -5399,9 +6578,9 @@
         <a:spAutoFit/>
       </a:bodyPr>
       <a:lstStyle>
-        <a:defPPr marL="0" marR="0" indent="0" algn="ctr" defTabSz="1130300" rtl="0" fontAlgn="auto" latinLnBrk="0" hangingPunct="0">
+        <a:defPPr marL="0" marR="0" indent="0" algn="ctr" defTabSz="2438400" rtl="0" fontAlgn="auto" latinLnBrk="0" hangingPunct="0">
           <a:lnSpc>
-            <a:spcPct val="100000"/>
+            <a:spcPct val="90000"/>
           </a:lnSpc>
           <a:spcBef>
             <a:spcPts val="0"/>
@@ -5414,19 +6593,19 @@
           <a:buFontTx/>
           <a:buNone/>
           <a:tabLst/>
-          <a:defRPr b="0" baseline="0" cap="none" i="0" spc="0" strike="noStrike" sz="3200" u="none" kumimoji="0" normalizeH="0">
+          <a:defRPr b="0" baseline="0" cap="none" i="0" spc="0" strike="noStrike" sz="2400" u="none" kumimoji="0" normalizeH="0">
             <a:ln>
               <a:noFill/>
             </a:ln>
             <a:solidFill>
-              <a:srgbClr val="FFFFFF"/>
+              <a:srgbClr val="000000"/>
             </a:solidFill>
             <a:effectLst/>
             <a:uFillTx/>
-            <a:latin typeface="Graphik"/>
-            <a:ea typeface="Graphik"/>
-            <a:cs typeface="Graphik"/>
-            <a:sym typeface="Graphik"/>
+            <a:latin typeface="Canela Bold"/>
+            <a:ea typeface="Canela Bold"/>
+            <a:cs typeface="Canela Bold"/>
+            <a:sym typeface="Canela Bold"/>
           </a:defRPr>
         </a:defPPr>
         <a:lvl1pPr marL="0" marR="0" indent="0" algn="l" defTabSz="914400" rtl="0" fontAlgn="auto" latinLnBrk="1" hangingPunct="0">
@@ -5676,10 +6855,10 @@
         <a:noFill/>
         <a:ln w="25400" cap="flat">
           <a:solidFill>
-            <a:srgbClr val="000000"/>
+            <a:schemeClr val="accent1"/>
           </a:solidFill>
           <a:prstDash val="solid"/>
-          <a:miter lim="400000"/>
+          <a:round/>
         </a:ln>
         <a:effectLst/>
         <a:sp3d/>
@@ -5994,10 +7173,10 @@
             </a:solidFill>
             <a:effectLst/>
             <a:uFillTx/>
-            <a:latin typeface="Canela Text Regular"/>
-            <a:ea typeface="Canela Text Regular"/>
-            <a:cs typeface="Canela Text Regular"/>
-            <a:sym typeface="Canela Text Regular"/>
+            <a:latin typeface="Canela Bold"/>
+            <a:ea typeface="Canela Bold"/>
+            <a:cs typeface="Canela Bold"/>
+            <a:sym typeface="Canela Bold"/>
           </a:defRPr>
         </a:defPPr>
         <a:lvl1pPr marL="0" marR="0" indent="0" algn="l" defTabSz="914400" rtl="0" fontAlgn="auto" latinLnBrk="1" hangingPunct="0">
@@ -6257,10 +7436,10 @@
         <a:srgbClr val="FFFFFF"/>
       </a:lt1>
       <a:dk2>
-        <a:srgbClr val="5E5E5E"/>
+        <a:srgbClr val="A7A7A7"/>
       </a:dk2>
       <a:lt2>
-        <a:srgbClr val="D5D5D5"/>
+        <a:srgbClr val="535353"/>
       </a:lt2>
       <a:accent1>
         <a:srgbClr val="3E74D1"/>
@@ -6289,14 +7468,14 @@
     </a:clrScheme>
     <a:fontScheme name="23_ClassicWhite">
       <a:majorFont>
-        <a:latin typeface="Canela Bold"/>
-        <a:ea typeface="Canela Bold"/>
-        <a:cs typeface="Canela Bold"/>
+        <a:latin typeface="Helvetica"/>
+        <a:ea typeface="Helvetica"/>
+        <a:cs typeface="Helvetica"/>
       </a:majorFont>
       <a:minorFont>
-        <a:latin typeface="Canela Bold"/>
-        <a:ea typeface="Canela Bold"/>
-        <a:cs typeface="Canela Bold"/>
+        <a:latin typeface="Helvetica Neue"/>
+        <a:ea typeface="Helvetica Neue"/>
+        <a:cs typeface="Helvetica Neue"/>
       </a:minorFont>
     </a:fontScheme>
     <a:fmtScheme name="23_ClassicWhite">
@@ -6437,11 +7616,14 @@
     <a:spDef>
       <a:spPr>
         <a:solidFill>
-          <a:srgbClr val="000000"/>
+          <a:srgbClr val="FFFFFF"/>
         </a:solidFill>
-        <a:ln w="12700" cap="flat">
-          <a:noFill/>
-          <a:miter lim="400000"/>
+        <a:ln w="25400" cap="flat">
+          <a:solidFill>
+            <a:schemeClr val="accent1"/>
+          </a:solidFill>
+          <a:prstDash val="solid"/>
+          <a:round/>
         </a:ln>
         <a:effectLst/>
         <a:sp3d/>
@@ -6450,9 +7632,9 @@
         <a:spAutoFit/>
       </a:bodyPr>
       <a:lstStyle>
-        <a:defPPr marL="0" marR="0" indent="0" algn="ctr" defTabSz="1130300" rtl="0" fontAlgn="auto" latinLnBrk="0" hangingPunct="0">
+        <a:defPPr marL="0" marR="0" indent="0" algn="ctr" defTabSz="2438400" rtl="0" fontAlgn="auto" latinLnBrk="0" hangingPunct="0">
           <a:lnSpc>
-            <a:spcPct val="100000"/>
+            <a:spcPct val="90000"/>
           </a:lnSpc>
           <a:spcBef>
             <a:spcPts val="0"/>
@@ -6465,19 +7647,19 @@
           <a:buFontTx/>
           <a:buNone/>
           <a:tabLst/>
-          <a:defRPr b="0" baseline="0" cap="none" i="0" spc="0" strike="noStrike" sz="3200" u="none" kumimoji="0" normalizeH="0">
+          <a:defRPr b="0" baseline="0" cap="none" i="0" spc="0" strike="noStrike" sz="2400" u="none" kumimoji="0" normalizeH="0">
             <a:ln>
               <a:noFill/>
             </a:ln>
             <a:solidFill>
-              <a:srgbClr val="FFFFFF"/>
+              <a:srgbClr val="000000"/>
             </a:solidFill>
             <a:effectLst/>
             <a:uFillTx/>
-            <a:latin typeface="Graphik"/>
-            <a:ea typeface="Graphik"/>
-            <a:cs typeface="Graphik"/>
-            <a:sym typeface="Graphik"/>
+            <a:latin typeface="Canela Bold"/>
+            <a:ea typeface="Canela Bold"/>
+            <a:cs typeface="Canela Bold"/>
+            <a:sym typeface="Canela Bold"/>
           </a:defRPr>
         </a:defPPr>
         <a:lvl1pPr marL="0" marR="0" indent="0" algn="l" defTabSz="914400" rtl="0" fontAlgn="auto" latinLnBrk="1" hangingPunct="0">
@@ -6727,10 +7909,10 @@
         <a:noFill/>
         <a:ln w="25400" cap="flat">
           <a:solidFill>
-            <a:srgbClr val="000000"/>
+            <a:schemeClr val="accent1"/>
           </a:solidFill>
           <a:prstDash val="solid"/>
-          <a:miter lim="400000"/>
+          <a:round/>
         </a:ln>
         <a:effectLst/>
         <a:sp3d/>
@@ -7045,10 +8227,10 @@
             </a:solidFill>
             <a:effectLst/>
             <a:uFillTx/>
-            <a:latin typeface="Canela Text Regular"/>
-            <a:ea typeface="Canela Text Regular"/>
-            <a:cs typeface="Canela Text Regular"/>
-            <a:sym typeface="Canela Text Regular"/>
+            <a:latin typeface="Canela Bold"/>
+            <a:ea typeface="Canela Bold"/>
+            <a:cs typeface="Canela Bold"/>
+            <a:sym typeface="Canela Bold"/>
           </a:defRPr>
         </a:defPPr>
         <a:lvl1pPr marL="0" marR="0" indent="0" algn="l" defTabSz="914400" rtl="0" fontAlgn="auto" latinLnBrk="1" hangingPunct="0">
